--- a/tutorials/pipelines/tut_a_st_bud/vector files/fig08.pptx
+++ b/tutorials/pipelines/tut_a_st_bud/vector files/fig08.pptx
@@ -197,7 +197,7 @@
           <a:p>
             <a:fld id="{00908931-0033-4484-A0E5-3BAAC1BCE9A0}" type="datetimeFigureOut">
               <a:rPr lang="zh-CN" altLang="en-US" smtClean="0"/>
-              <a:t>2023/10/3</a:t>
+              <a:t>2023/10/4</a:t>
             </a:fld>
             <a:endParaRPr lang="zh-CN" altLang="en-US"/>
           </a:p>
@@ -684,7 +684,7 @@
           <a:p>
             <a:fld id="{CA1BB51F-BFC6-4DD3-8C2A-5B21FD6F69C3}" type="datetimeFigureOut">
               <a:rPr lang="en-SE" smtClean="0"/>
-              <a:t>10/03/2023</a:t>
+              <a:t>10/04/2023</a:t>
             </a:fld>
             <a:endParaRPr lang="en-SE"/>
           </a:p>
@@ -854,7 +854,7 @@
           <a:p>
             <a:fld id="{CA1BB51F-BFC6-4DD3-8C2A-5B21FD6F69C3}" type="datetimeFigureOut">
               <a:rPr lang="en-SE" smtClean="0"/>
-              <a:t>10/03/2023</a:t>
+              <a:t>10/04/2023</a:t>
             </a:fld>
             <a:endParaRPr lang="en-SE"/>
           </a:p>
@@ -1034,7 +1034,7 @@
           <a:p>
             <a:fld id="{CA1BB51F-BFC6-4DD3-8C2A-5B21FD6F69C3}" type="datetimeFigureOut">
               <a:rPr lang="en-SE" smtClean="0"/>
-              <a:t>10/03/2023</a:t>
+              <a:t>10/04/2023</a:t>
             </a:fld>
             <a:endParaRPr lang="en-SE"/>
           </a:p>
@@ -1204,7 +1204,7 @@
           <a:p>
             <a:fld id="{CA1BB51F-BFC6-4DD3-8C2A-5B21FD6F69C3}" type="datetimeFigureOut">
               <a:rPr lang="en-SE" smtClean="0"/>
-              <a:t>10/03/2023</a:t>
+              <a:t>10/04/2023</a:t>
             </a:fld>
             <a:endParaRPr lang="en-SE"/>
           </a:p>
@@ -1448,7 +1448,7 @@
           <a:p>
             <a:fld id="{CA1BB51F-BFC6-4DD3-8C2A-5B21FD6F69C3}" type="datetimeFigureOut">
               <a:rPr lang="en-SE" smtClean="0"/>
-              <a:t>10/03/2023</a:t>
+              <a:t>10/04/2023</a:t>
             </a:fld>
             <a:endParaRPr lang="en-SE"/>
           </a:p>
@@ -1680,7 +1680,7 @@
           <a:p>
             <a:fld id="{CA1BB51F-BFC6-4DD3-8C2A-5B21FD6F69C3}" type="datetimeFigureOut">
               <a:rPr lang="en-SE" smtClean="0"/>
-              <a:t>10/03/2023</a:t>
+              <a:t>10/04/2023</a:t>
             </a:fld>
             <a:endParaRPr lang="en-SE"/>
           </a:p>
@@ -2047,7 +2047,7 @@
           <a:p>
             <a:fld id="{CA1BB51F-BFC6-4DD3-8C2A-5B21FD6F69C3}" type="datetimeFigureOut">
               <a:rPr lang="en-SE" smtClean="0"/>
-              <a:t>10/03/2023</a:t>
+              <a:t>10/04/2023</a:t>
             </a:fld>
             <a:endParaRPr lang="en-SE"/>
           </a:p>
@@ -2165,7 +2165,7 @@
           <a:p>
             <a:fld id="{CA1BB51F-BFC6-4DD3-8C2A-5B21FD6F69C3}" type="datetimeFigureOut">
               <a:rPr lang="en-SE" smtClean="0"/>
-              <a:t>10/03/2023</a:t>
+              <a:t>10/04/2023</a:t>
             </a:fld>
             <a:endParaRPr lang="en-SE"/>
           </a:p>
@@ -2260,7 +2260,7 @@
           <a:p>
             <a:fld id="{CA1BB51F-BFC6-4DD3-8C2A-5B21FD6F69C3}" type="datetimeFigureOut">
               <a:rPr lang="en-SE" smtClean="0"/>
-              <a:t>10/03/2023</a:t>
+              <a:t>10/04/2023</a:t>
             </a:fld>
             <a:endParaRPr lang="en-SE"/>
           </a:p>
@@ -2537,7 +2537,7 @@
           <a:p>
             <a:fld id="{CA1BB51F-BFC6-4DD3-8C2A-5B21FD6F69C3}" type="datetimeFigureOut">
               <a:rPr lang="en-SE" smtClean="0"/>
-              <a:t>10/03/2023</a:t>
+              <a:t>10/04/2023</a:t>
             </a:fld>
             <a:endParaRPr lang="en-SE"/>
           </a:p>
@@ -2794,7 +2794,7 @@
           <a:p>
             <a:fld id="{CA1BB51F-BFC6-4DD3-8C2A-5B21FD6F69C3}" type="datetimeFigureOut">
               <a:rPr lang="en-SE" smtClean="0"/>
-              <a:t>10/03/2023</a:t>
+              <a:t>10/04/2023</a:t>
             </a:fld>
             <a:endParaRPr lang="en-SE"/>
           </a:p>
@@ -3007,7 +3007,7 @@
           <a:p>
             <a:fld id="{CA1BB51F-BFC6-4DD3-8C2A-5B21FD6F69C3}" type="datetimeFigureOut">
               <a:rPr lang="en-SE" smtClean="0"/>
-              <a:t>10/03/2023</a:t>
+              <a:t>10/04/2023</a:t>
             </a:fld>
             <a:endParaRPr lang="en-SE"/>
           </a:p>
@@ -3414,10 +3414,10 @@
       </p:grpSpPr>
       <p:pic>
         <p:nvPicPr>
-          <p:cNvPr id="10" name="图片 9">
+          <p:cNvPr id="3" name="图片 2">
             <a:extLst>
               <a:ext uri="{FF2B5EF4-FFF2-40B4-BE49-F238E27FC236}">
-                <a16:creationId xmlns:a16="http://schemas.microsoft.com/office/drawing/2014/main" id="{5B0B5B83-10BA-B92B-9BE8-BC2B5435F5A1}"/>
+                <a16:creationId xmlns:a16="http://schemas.microsoft.com/office/drawing/2014/main" id="{56F4EEFD-DC43-A945-B6DB-172B5859808B}"/>
               </a:ext>
             </a:extLst>
           </p:cNvPr>
@@ -3434,8 +3434,8 @@
         </p:blipFill>
         <p:spPr>
           <a:xfrm>
-            <a:off x="142864" y="140011"/>
-            <a:ext cx="13197082" cy="11271478"/>
+            <a:off x="0" y="0"/>
+            <a:ext cx="12270558" cy="11520488"/>
           </a:xfrm>
           <a:prstGeom prst="rect">
             <a:avLst/>
@@ -3458,7 +3458,7 @@
         </p:nvSpPr>
         <p:spPr>
           <a:xfrm>
-            <a:off x="12138647" y="2306637"/>
+            <a:off x="11230773" y="1529397"/>
             <a:ext cx="737564" cy="737564"/>
           </a:xfrm>
           <a:prstGeom prst="ellipse">
@@ -3522,7 +3522,7 @@
         </p:nvSpPr>
         <p:spPr>
           <a:xfrm>
-            <a:off x="3067152" y="6103996"/>
+            <a:off x="2999258" y="6202053"/>
             <a:ext cx="737564" cy="737564"/>
           </a:xfrm>
           <a:prstGeom prst="ellipse">
@@ -3584,8 +3584,8 @@
         </p:nvSpPr>
         <p:spPr>
           <a:xfrm>
-            <a:off x="232087" y="6472784"/>
-            <a:ext cx="3203853" cy="835621"/>
+            <a:off x="138649" y="6570835"/>
+            <a:ext cx="3229391" cy="737564"/>
           </a:xfrm>
           <a:prstGeom prst="rect">
             <a:avLst/>
@@ -3623,35 +3623,6 @@
           </a:p>
         </p:txBody>
       </p:sp>
-      <p:pic>
-        <p:nvPicPr>
-          <p:cNvPr id="27" name="图片 26">
-            <a:extLst>
-              <a:ext uri="{FF2B5EF4-FFF2-40B4-BE49-F238E27FC236}">
-                <a16:creationId xmlns:a16="http://schemas.microsoft.com/office/drawing/2014/main" id="{FF1EAD71-3CC0-D882-7AA4-05ACE41DF329}"/>
-              </a:ext>
-            </a:extLst>
-          </p:cNvPr>
-          <p:cNvPicPr>
-            <a:picLocks noChangeAspect="1"/>
-          </p:cNvPicPr>
-          <p:nvPr/>
-        </p:nvPicPr>
-        <p:blipFill rotWithShape="1">
-          <a:blip r:embed="rId4"/>
-          <a:srcRect t="-1" b="13966"/>
-          <a:stretch/>
-        </p:blipFill>
-        <p:spPr>
-          <a:xfrm>
-            <a:off x="8506337" y="6939623"/>
-            <a:ext cx="4591496" cy="3507439"/>
-          </a:xfrm>
-          <a:prstGeom prst="rect">
-            <a:avLst/>
-          </a:prstGeom>
-        </p:spPr>
-      </p:pic>
       <p:sp>
         <p:nvSpPr>
           <p:cNvPr id="28" name="Rectangle 22">
@@ -3666,7 +3637,7 @@
         </p:nvSpPr>
         <p:spPr>
           <a:xfrm>
-            <a:off x="12403680" y="3097402"/>
+            <a:off x="11665898" y="2369059"/>
             <a:ext cx="403303" cy="403303"/>
           </a:xfrm>
           <a:prstGeom prst="rect">
@@ -3707,10 +3678,10 @@
       </p:sp>
       <p:sp>
         <p:nvSpPr>
-          <p:cNvPr id="16" name="Oval 19">
+          <p:cNvPr id="11" name="Oval 19">
             <a:extLst>
               <a:ext uri="{FF2B5EF4-FFF2-40B4-BE49-F238E27FC236}">
-                <a16:creationId xmlns:a16="http://schemas.microsoft.com/office/drawing/2014/main" id="{C7B327B5-DF55-68EC-B6E7-93678DD201AD}"/>
+                <a16:creationId xmlns:a16="http://schemas.microsoft.com/office/drawing/2014/main" id="{63BBC4AA-380A-83CD-B4ED-9ECC22C635A7}"/>
               </a:ext>
             </a:extLst>
           </p:cNvPr>
@@ -3721,7 +3692,7 @@
         </p:nvSpPr>
         <p:spPr>
           <a:xfrm>
-            <a:off x="12138647" y="6939618"/>
+            <a:off x="7068244" y="2348390"/>
             <a:ext cx="737564" cy="737564"/>
           </a:xfrm>
           <a:prstGeom prst="ellipse">
@@ -3760,7 +3731,7 @@
                 <a:latin typeface="Arial" panose="020B0604020202020204" pitchFamily="34" charset="0"/>
                 <a:cs typeface="Arial" panose="020B0604020202020204" pitchFamily="34" charset="0"/>
               </a:rPr>
-              <a:t>e</a:t>
+              <a:t>b</a:t>
             </a:r>
             <a:endParaRPr lang="en-SE" sz="3903" dirty="0">
               <a:latin typeface="Arial" panose="020B0604020202020204" pitchFamily="34" charset="0"/>
@@ -3771,10 +3742,10 @@
       </p:sp>
       <p:sp>
         <p:nvSpPr>
-          <p:cNvPr id="29" name="Rectangle 22">
+          <p:cNvPr id="12" name="Rectangle 22">
             <a:extLst>
               <a:ext uri="{FF2B5EF4-FFF2-40B4-BE49-F238E27FC236}">
-                <a16:creationId xmlns:a16="http://schemas.microsoft.com/office/drawing/2014/main" id="{A8A2DC08-7958-5734-DEDE-2BD9BF8B872A}"/>
+                <a16:creationId xmlns:a16="http://schemas.microsoft.com/office/drawing/2014/main" id="{45F7AB30-CBB3-0D9B-4505-35CBF6B3D1D3}"/>
               </a:ext>
             </a:extLst>
           </p:cNvPr>
@@ -3783,8 +3754,8 @@
         </p:nvSpPr>
         <p:spPr>
           <a:xfrm>
-            <a:off x="8506337" y="6861396"/>
-            <a:ext cx="4591496" cy="3663893"/>
+            <a:off x="4038600" y="3085954"/>
+            <a:ext cx="4023360" cy="2674290"/>
           </a:xfrm>
           <a:prstGeom prst="rect">
             <a:avLst/>
@@ -3824,10 +3795,10 @@
       </p:sp>
       <p:sp>
         <p:nvSpPr>
-          <p:cNvPr id="11" name="Oval 19">
+          <p:cNvPr id="20" name="Oval 19">
             <a:extLst>
               <a:ext uri="{FF2B5EF4-FFF2-40B4-BE49-F238E27FC236}">
-                <a16:creationId xmlns:a16="http://schemas.microsoft.com/office/drawing/2014/main" id="{63BBC4AA-380A-83CD-B4ED-9ECC22C635A7}"/>
+                <a16:creationId xmlns:a16="http://schemas.microsoft.com/office/drawing/2014/main" id="{1EDF1414-77B8-06DB-39B3-73C6AB7F77F4}"/>
               </a:ext>
             </a:extLst>
           </p:cNvPr>
@@ -3838,7 +3809,7 @@
         </p:nvSpPr>
         <p:spPr>
           <a:xfrm>
-            <a:off x="7879776" y="2675419"/>
+            <a:off x="6648514" y="6841560"/>
             <a:ext cx="737564" cy="737564"/>
           </a:xfrm>
           <a:prstGeom prst="ellipse">
@@ -3877,123 +3848,6 @@
                 <a:latin typeface="Arial" panose="020B0604020202020204" pitchFamily="34" charset="0"/>
                 <a:cs typeface="Arial" panose="020B0604020202020204" pitchFamily="34" charset="0"/>
               </a:rPr>
-              <a:t>b</a:t>
-            </a:r>
-            <a:endParaRPr lang="en-SE" sz="3903" dirty="0">
-              <a:latin typeface="Arial" panose="020B0604020202020204" pitchFamily="34" charset="0"/>
-              <a:cs typeface="Arial" panose="020B0604020202020204" pitchFamily="34" charset="0"/>
-            </a:endParaRPr>
-          </a:p>
-        </p:txBody>
-      </p:sp>
-      <p:sp>
-        <p:nvSpPr>
-          <p:cNvPr id="12" name="Rectangle 22">
-            <a:extLst>
-              <a:ext uri="{FF2B5EF4-FFF2-40B4-BE49-F238E27FC236}">
-                <a16:creationId xmlns:a16="http://schemas.microsoft.com/office/drawing/2014/main" id="{45F7AB30-CBB3-0D9B-4505-35CBF6B3D1D3}"/>
-              </a:ext>
-            </a:extLst>
-          </p:cNvPr>
-          <p:cNvSpPr/>
-          <p:nvPr/>
-        </p:nvSpPr>
-        <p:spPr>
-          <a:xfrm>
-            <a:off x="4176578" y="3190663"/>
-            <a:ext cx="4071985" cy="2002303"/>
-          </a:xfrm>
-          <a:prstGeom prst="rect">
-            <a:avLst/>
-          </a:prstGeom>
-          <a:noFill/>
-          <a:ln w="28575">
-            <a:solidFill>
-              <a:srgbClr val="F79647"/>
-            </a:solidFill>
-            <a:prstDash val="sysDot"/>
-          </a:ln>
-        </p:spPr>
-        <p:style>
-          <a:lnRef idx="2">
-            <a:schemeClr val="accent1">
-              <a:shade val="15000"/>
-            </a:schemeClr>
-          </a:lnRef>
-          <a:fillRef idx="1">
-            <a:schemeClr val="accent1"/>
-          </a:fillRef>
-          <a:effectRef idx="0">
-            <a:schemeClr val="accent1"/>
-          </a:effectRef>
-          <a:fontRef idx="minor">
-            <a:schemeClr val="lt1"/>
-          </a:fontRef>
-        </p:style>
-        <p:txBody>
-          <a:bodyPr rtlCol="0" anchor="ctr"/>
-          <a:lstStyle/>
-          <a:p>
-            <a:pPr algn="ctr"/>
-            <a:endParaRPr lang="en-SE" sz="7446"/>
-          </a:p>
-        </p:txBody>
-      </p:sp>
-      <p:sp>
-        <p:nvSpPr>
-          <p:cNvPr id="20" name="Oval 19">
-            <a:extLst>
-              <a:ext uri="{FF2B5EF4-FFF2-40B4-BE49-F238E27FC236}">
-                <a16:creationId xmlns:a16="http://schemas.microsoft.com/office/drawing/2014/main" id="{1EDF1414-77B8-06DB-39B3-73C6AB7F77F4}"/>
-              </a:ext>
-            </a:extLst>
-          </p:cNvPr>
-          <p:cNvSpPr>
-            <a:spLocks noChangeAspect="1"/>
-          </p:cNvSpPr>
-          <p:nvPr/>
-        </p:nvSpPr>
-        <p:spPr>
-          <a:xfrm>
-            <a:off x="7437026" y="6674671"/>
-            <a:ext cx="737564" cy="737564"/>
-          </a:xfrm>
-          <a:prstGeom prst="ellipse">
-            <a:avLst/>
-          </a:prstGeom>
-          <a:solidFill>
-            <a:srgbClr val="F79647"/>
-          </a:solidFill>
-          <a:ln>
-            <a:noFill/>
-          </a:ln>
-        </p:spPr>
-        <p:style>
-          <a:lnRef idx="2">
-            <a:schemeClr val="accent1">
-              <a:shade val="15000"/>
-            </a:schemeClr>
-          </a:lnRef>
-          <a:fillRef idx="1">
-            <a:schemeClr val="accent1"/>
-          </a:fillRef>
-          <a:effectRef idx="0">
-            <a:schemeClr val="accent1"/>
-          </a:effectRef>
-          <a:fontRef idx="minor">
-            <a:schemeClr val="lt1"/>
-          </a:fontRef>
-        </p:style>
-        <p:txBody>
-          <a:bodyPr tIns="147512" bIns="221271" rtlCol="0" anchor="ctr"/>
-          <a:lstStyle/>
-          <a:p>
-            <a:pPr algn="ctr"/>
-            <a:r>
-              <a:rPr lang="en-GB" sz="3903" dirty="0">
-                <a:latin typeface="Arial" panose="020B0604020202020204" pitchFamily="34" charset="0"/>
-                <a:cs typeface="Arial" panose="020B0604020202020204" pitchFamily="34" charset="0"/>
-              </a:rPr>
               <a:t>c</a:t>
             </a:r>
             <a:endParaRPr lang="en-SE" sz="3903" dirty="0">
@@ -4017,8 +3871,8 @@
         </p:nvSpPr>
         <p:spPr>
           <a:xfrm>
-            <a:off x="5515261" y="6636661"/>
-            <a:ext cx="2919842" cy="4623086"/>
+            <a:off x="4483632" y="6644191"/>
+            <a:ext cx="3041856" cy="4845817"/>
           </a:xfrm>
           <a:prstGeom prst="rect">
             <a:avLst/>

--- a/tutorials/pipelines/tut_a_st_bud/vector files/fig08.pptx
+++ b/tutorials/pipelines/tut_a_st_bud/vector files/fig08.pptx
@@ -2,15 +2,15 @@
 <file path=ppt/presentation.xml><?xml version="1.0" encoding="utf-8"?>
 <p:presentation xmlns:a="http://schemas.openxmlformats.org/drawingml/2006/main" xmlns:r="http://schemas.openxmlformats.org/officeDocument/2006/relationships" xmlns:p="http://schemas.openxmlformats.org/presentationml/2006/main" saveSubsetFonts="1">
   <p:sldMasterIdLst>
-    <p:sldMasterId id="2147483876" r:id="rId1"/>
+    <p:sldMasterId id="2147483828" r:id="rId1"/>
   </p:sldMasterIdLst>
   <p:notesMasterIdLst>
     <p:notesMasterId r:id="rId3"/>
   </p:notesMasterIdLst>
   <p:sldIdLst>
-    <p:sldId id="258" r:id="rId2"/>
+    <p:sldId id="257" r:id="rId2"/>
   </p:sldIdLst>
-  <p:sldSz cx="14401800" cy="11520488"/>
+  <p:sldSz cx="18000663" cy="11160125"/>
   <p:notesSz cx="6858000" cy="9144000"/>
   <p:defaultTextStyle>
     <a:defPPr>
@@ -215,8 +215,8 @@
         </p:nvSpPr>
         <p:spPr>
           <a:xfrm>
-            <a:off x="1500188" y="1143000"/>
-            <a:ext cx="3857625" cy="3086100"/>
+            <a:off x="941388" y="1143000"/>
+            <a:ext cx="4975225" cy="3086100"/>
           </a:xfrm>
           <a:prstGeom prst="rect">
             <a:avLst/>
@@ -370,8 +370,8 @@
   </p:cSld>
   <p:clrMap bg1="lt1" tx1="dk1" bg2="lt2" tx2="dk2" accent1="accent1" accent2="accent2" accent3="accent3" accent4="accent4" accent5="accent5" accent6="accent6" hlink="hlink" folHlink="folHlink"/>
   <p:notesStyle>
-    <a:lvl1pPr marL="0" algn="l" defTabSz="1961402" rtl="0" eaLnBrk="1" latinLnBrk="0" hangingPunct="1">
-      <a:defRPr sz="2574" kern="1200">
+    <a:lvl1pPr marL="0" algn="l" defTabSz="1846082" rtl="0" eaLnBrk="1" latinLnBrk="0" hangingPunct="1">
+      <a:defRPr sz="2423" kern="1200">
         <a:solidFill>
           <a:schemeClr val="tx1"/>
         </a:solidFill>
@@ -380,8 +380,8 @@
         <a:cs typeface="+mn-cs"/>
       </a:defRPr>
     </a:lvl1pPr>
-    <a:lvl2pPr marL="980701" algn="l" defTabSz="1961402" rtl="0" eaLnBrk="1" latinLnBrk="0" hangingPunct="1">
-      <a:defRPr sz="2574" kern="1200">
+    <a:lvl2pPr marL="923041" algn="l" defTabSz="1846082" rtl="0" eaLnBrk="1" latinLnBrk="0" hangingPunct="1">
+      <a:defRPr sz="2423" kern="1200">
         <a:solidFill>
           <a:schemeClr val="tx1"/>
         </a:solidFill>
@@ -390,8 +390,8 @@
         <a:cs typeface="+mn-cs"/>
       </a:defRPr>
     </a:lvl2pPr>
-    <a:lvl3pPr marL="1961402" algn="l" defTabSz="1961402" rtl="0" eaLnBrk="1" latinLnBrk="0" hangingPunct="1">
-      <a:defRPr sz="2574" kern="1200">
+    <a:lvl3pPr marL="1846082" algn="l" defTabSz="1846082" rtl="0" eaLnBrk="1" latinLnBrk="0" hangingPunct="1">
+      <a:defRPr sz="2423" kern="1200">
         <a:solidFill>
           <a:schemeClr val="tx1"/>
         </a:solidFill>
@@ -400,8 +400,8 @@
         <a:cs typeface="+mn-cs"/>
       </a:defRPr>
     </a:lvl3pPr>
-    <a:lvl4pPr marL="2942105" algn="l" defTabSz="1961402" rtl="0" eaLnBrk="1" latinLnBrk="0" hangingPunct="1">
-      <a:defRPr sz="2574" kern="1200">
+    <a:lvl4pPr marL="2769123" algn="l" defTabSz="1846082" rtl="0" eaLnBrk="1" latinLnBrk="0" hangingPunct="1">
+      <a:defRPr sz="2423" kern="1200">
         <a:solidFill>
           <a:schemeClr val="tx1"/>
         </a:solidFill>
@@ -410,8 +410,8 @@
         <a:cs typeface="+mn-cs"/>
       </a:defRPr>
     </a:lvl4pPr>
-    <a:lvl5pPr marL="3922807" algn="l" defTabSz="1961402" rtl="0" eaLnBrk="1" latinLnBrk="0" hangingPunct="1">
-      <a:defRPr sz="2574" kern="1200">
+    <a:lvl5pPr marL="3692164" algn="l" defTabSz="1846082" rtl="0" eaLnBrk="1" latinLnBrk="0" hangingPunct="1">
+      <a:defRPr sz="2423" kern="1200">
         <a:solidFill>
           <a:schemeClr val="tx1"/>
         </a:solidFill>
@@ -420,8 +420,8 @@
         <a:cs typeface="+mn-cs"/>
       </a:defRPr>
     </a:lvl5pPr>
-    <a:lvl6pPr marL="4903508" algn="l" defTabSz="1961402" rtl="0" eaLnBrk="1" latinLnBrk="0" hangingPunct="1">
-      <a:defRPr sz="2574" kern="1200">
+    <a:lvl6pPr marL="4615205" algn="l" defTabSz="1846082" rtl="0" eaLnBrk="1" latinLnBrk="0" hangingPunct="1">
+      <a:defRPr sz="2423" kern="1200">
         <a:solidFill>
           <a:schemeClr val="tx1"/>
         </a:solidFill>
@@ -430,8 +430,8 @@
         <a:cs typeface="+mn-cs"/>
       </a:defRPr>
     </a:lvl6pPr>
-    <a:lvl7pPr marL="5884209" algn="l" defTabSz="1961402" rtl="0" eaLnBrk="1" latinLnBrk="0" hangingPunct="1">
-      <a:defRPr sz="2574" kern="1200">
+    <a:lvl7pPr marL="5538246" algn="l" defTabSz="1846082" rtl="0" eaLnBrk="1" latinLnBrk="0" hangingPunct="1">
+      <a:defRPr sz="2423" kern="1200">
         <a:solidFill>
           <a:schemeClr val="tx1"/>
         </a:solidFill>
@@ -440,8 +440,8 @@
         <a:cs typeface="+mn-cs"/>
       </a:defRPr>
     </a:lvl7pPr>
-    <a:lvl8pPr marL="6864912" algn="l" defTabSz="1961402" rtl="0" eaLnBrk="1" latinLnBrk="0" hangingPunct="1">
-      <a:defRPr sz="2574" kern="1200">
+    <a:lvl8pPr marL="6461288" algn="l" defTabSz="1846082" rtl="0" eaLnBrk="1" latinLnBrk="0" hangingPunct="1">
+      <a:defRPr sz="2423" kern="1200">
         <a:solidFill>
           <a:schemeClr val="tx1"/>
         </a:solidFill>
@@ -450,8 +450,8 @@
         <a:cs typeface="+mn-cs"/>
       </a:defRPr>
     </a:lvl8pPr>
-    <a:lvl9pPr marL="7845613" algn="l" defTabSz="1961402" rtl="0" eaLnBrk="1" latinLnBrk="0" hangingPunct="1">
-      <a:defRPr sz="2574" kern="1200">
+    <a:lvl9pPr marL="7384329" algn="l" defTabSz="1846082" rtl="0" eaLnBrk="1" latinLnBrk="0" hangingPunct="1">
+      <a:defRPr sz="2423" kern="1200">
         <a:solidFill>
           <a:schemeClr val="tx1"/>
         </a:solidFill>
@@ -493,8 +493,8 @@
         </p:nvSpPr>
         <p:spPr>
           <a:xfrm>
-            <a:off x="1500188" y="1143000"/>
-            <a:ext cx="3857625" cy="3086100"/>
+            <a:off x="941388" y="1143000"/>
+            <a:ext cx="4975225" cy="3086100"/>
           </a:xfrm>
         </p:spPr>
       </p:sp>
@@ -582,15 +582,15 @@
         </p:nvSpPr>
         <p:spPr>
           <a:xfrm>
-            <a:off x="1080135" y="1885414"/>
-            <a:ext cx="12241530" cy="4010837"/>
+            <a:off x="2250083" y="1826438"/>
+            <a:ext cx="13500497" cy="3885377"/>
           </a:xfrm>
         </p:spPr>
         <p:txBody>
           <a:bodyPr anchor="b"/>
           <a:lstStyle>
             <a:lvl1pPr algn="ctr">
-              <a:defRPr sz="9450"/>
+              <a:defRPr sz="8858"/>
             </a:lvl1pPr>
           </a:lstStyle>
           <a:p>
@@ -614,8 +614,8 @@
         </p:nvSpPr>
         <p:spPr>
           <a:xfrm>
-            <a:off x="1800225" y="6050924"/>
-            <a:ext cx="10801350" cy="2781450"/>
+            <a:off x="2250083" y="5861650"/>
+            <a:ext cx="13500497" cy="2694446"/>
           </a:xfrm>
         </p:spPr>
         <p:txBody>
@@ -623,39 +623,39 @@
           <a:lstStyle>
             <a:lvl1pPr marL="0" indent="0" algn="ctr">
               <a:buNone/>
-              <a:defRPr sz="3780"/>
+              <a:defRPr sz="3543"/>
             </a:lvl1pPr>
-            <a:lvl2pPr marL="720090" indent="0" algn="ctr">
-              <a:buNone/>
-              <a:defRPr sz="3150"/>
+            <a:lvl2pPr marL="675010" indent="0" algn="ctr">
+              <a:buNone/>
+              <a:defRPr sz="2953"/>
             </a:lvl2pPr>
-            <a:lvl3pPr marL="1440180" indent="0" algn="ctr">
-              <a:buNone/>
-              <a:defRPr sz="2835"/>
+            <a:lvl3pPr marL="1350020" indent="0" algn="ctr">
+              <a:buNone/>
+              <a:defRPr sz="2658"/>
             </a:lvl3pPr>
-            <a:lvl4pPr marL="2160270" indent="0" algn="ctr">
-              <a:buNone/>
-              <a:defRPr sz="2520"/>
+            <a:lvl4pPr marL="2025030" indent="0" algn="ctr">
+              <a:buNone/>
+              <a:defRPr sz="2362"/>
             </a:lvl4pPr>
-            <a:lvl5pPr marL="2880360" indent="0" algn="ctr">
-              <a:buNone/>
-              <a:defRPr sz="2520"/>
+            <a:lvl5pPr marL="2700040" indent="0" algn="ctr">
+              <a:buNone/>
+              <a:defRPr sz="2362"/>
             </a:lvl5pPr>
-            <a:lvl6pPr marL="3600450" indent="0" algn="ctr">
-              <a:buNone/>
-              <a:defRPr sz="2520"/>
+            <a:lvl6pPr marL="3375050" indent="0" algn="ctr">
+              <a:buNone/>
+              <a:defRPr sz="2362"/>
             </a:lvl6pPr>
-            <a:lvl7pPr marL="4320540" indent="0" algn="ctr">
-              <a:buNone/>
-              <a:defRPr sz="2520"/>
+            <a:lvl7pPr marL="4050060" indent="0" algn="ctr">
+              <a:buNone/>
+              <a:defRPr sz="2362"/>
             </a:lvl7pPr>
-            <a:lvl8pPr marL="5040630" indent="0" algn="ctr">
-              <a:buNone/>
-              <a:defRPr sz="2520"/>
+            <a:lvl8pPr marL="4725071" indent="0" algn="ctr">
+              <a:buNone/>
+              <a:defRPr sz="2362"/>
             </a:lvl8pPr>
-            <a:lvl9pPr marL="5760720" indent="0" algn="ctr">
-              <a:buNone/>
-              <a:defRPr sz="2520"/>
+            <a:lvl9pPr marL="5400081" indent="0" algn="ctr">
+              <a:buNone/>
+              <a:defRPr sz="2362"/>
             </a:lvl9pPr>
           </a:lstStyle>
           <a:p>
@@ -735,7 +735,7 @@
     </p:spTree>
     <p:extLst>
       <p:ext uri="{BB962C8B-B14F-4D97-AF65-F5344CB8AC3E}">
-        <p14:creationId xmlns:p14="http://schemas.microsoft.com/office/powerpoint/2010/main" val="906984846"/>
+        <p14:creationId xmlns:p14="http://schemas.microsoft.com/office/powerpoint/2010/main" val="2677407009"/>
       </p:ext>
     </p:extLst>
   </p:cSld>
@@ -905,7 +905,7 @@
     </p:spTree>
     <p:extLst>
       <p:ext uri="{BB962C8B-B14F-4D97-AF65-F5344CB8AC3E}">
-        <p14:creationId xmlns:p14="http://schemas.microsoft.com/office/powerpoint/2010/main" val="1084659562"/>
+        <p14:creationId xmlns:p14="http://schemas.microsoft.com/office/powerpoint/2010/main" val="4107365079"/>
       </p:ext>
     </p:extLst>
   </p:cSld>
@@ -944,8 +944,8 @@
         </p:nvSpPr>
         <p:spPr>
           <a:xfrm>
-            <a:off x="10306289" y="613359"/>
-            <a:ext cx="3105388" cy="9763081"/>
+            <a:off x="12881724" y="594173"/>
+            <a:ext cx="3881393" cy="9457690"/>
           </a:xfrm>
         </p:spPr>
         <p:txBody>
@@ -972,8 +972,8 @@
         </p:nvSpPr>
         <p:spPr>
           <a:xfrm>
-            <a:off x="990124" y="613359"/>
-            <a:ext cx="9136142" cy="9763081"/>
+            <a:off x="1237545" y="594173"/>
+            <a:ext cx="11419171" cy="9457690"/>
           </a:xfrm>
         </p:spPr>
         <p:txBody>
@@ -1085,7 +1085,7 @@
     </p:spTree>
     <p:extLst>
       <p:ext uri="{BB962C8B-B14F-4D97-AF65-F5344CB8AC3E}">
-        <p14:creationId xmlns:p14="http://schemas.microsoft.com/office/powerpoint/2010/main" val="2379483811"/>
+        <p14:creationId xmlns:p14="http://schemas.microsoft.com/office/powerpoint/2010/main" val="1165845287"/>
       </p:ext>
     </p:extLst>
   </p:cSld>
@@ -1255,7 +1255,7 @@
     </p:spTree>
     <p:extLst>
       <p:ext uri="{BB962C8B-B14F-4D97-AF65-F5344CB8AC3E}">
-        <p14:creationId xmlns:p14="http://schemas.microsoft.com/office/powerpoint/2010/main" val="578685757"/>
+        <p14:creationId xmlns:p14="http://schemas.microsoft.com/office/powerpoint/2010/main" val="809630922"/>
       </p:ext>
     </p:extLst>
   </p:cSld>
@@ -1294,15 +1294,15 @@
         </p:nvSpPr>
         <p:spPr>
           <a:xfrm>
-            <a:off x="982623" y="2872125"/>
-            <a:ext cx="12421553" cy="4792202"/>
+            <a:off x="1228170" y="2782283"/>
+            <a:ext cx="15525572" cy="4642301"/>
           </a:xfrm>
         </p:spPr>
         <p:txBody>
           <a:bodyPr anchor="b"/>
           <a:lstStyle>
             <a:lvl1pPr>
-              <a:defRPr sz="9450"/>
+              <a:defRPr sz="8858"/>
             </a:lvl1pPr>
           </a:lstStyle>
           <a:p>
@@ -1326,8 +1326,8 @@
         </p:nvSpPr>
         <p:spPr>
           <a:xfrm>
-            <a:off x="982623" y="7709663"/>
-            <a:ext cx="12421553" cy="2520106"/>
+            <a:off x="1228170" y="7468502"/>
+            <a:ext cx="15525572" cy="2441277"/>
           </a:xfrm>
         </p:spPr>
         <p:txBody>
@@ -1335,15 +1335,17 @@
           <a:lstStyle>
             <a:lvl1pPr marL="0" indent="0">
               <a:buNone/>
-              <a:defRPr sz="3780">
+              <a:defRPr sz="3543">
                 <a:solidFill>
-                  <a:schemeClr val="tx1"/>
+                  <a:schemeClr val="tx1">
+                    <a:tint val="75000"/>
+                  </a:schemeClr>
                 </a:solidFill>
               </a:defRPr>
             </a:lvl1pPr>
-            <a:lvl2pPr marL="720090" indent="0">
-              <a:buNone/>
-              <a:defRPr sz="3150">
+            <a:lvl2pPr marL="675010" indent="0">
+              <a:buNone/>
+              <a:defRPr sz="2953">
                 <a:solidFill>
                   <a:schemeClr val="tx1">
                     <a:tint val="75000"/>
@@ -1351,9 +1353,9 @@
                 </a:solidFill>
               </a:defRPr>
             </a:lvl2pPr>
-            <a:lvl3pPr marL="1440180" indent="0">
-              <a:buNone/>
-              <a:defRPr sz="2835">
+            <a:lvl3pPr marL="1350020" indent="0">
+              <a:buNone/>
+              <a:defRPr sz="2658">
                 <a:solidFill>
                   <a:schemeClr val="tx1">
                     <a:tint val="75000"/>
@@ -1361,9 +1363,9 @@
                 </a:solidFill>
               </a:defRPr>
             </a:lvl3pPr>
-            <a:lvl4pPr marL="2160270" indent="0">
-              <a:buNone/>
-              <a:defRPr sz="2520">
+            <a:lvl4pPr marL="2025030" indent="0">
+              <a:buNone/>
+              <a:defRPr sz="2362">
                 <a:solidFill>
                   <a:schemeClr val="tx1">
                     <a:tint val="75000"/>
@@ -1371,9 +1373,9 @@
                 </a:solidFill>
               </a:defRPr>
             </a:lvl4pPr>
-            <a:lvl5pPr marL="2880360" indent="0">
-              <a:buNone/>
-              <a:defRPr sz="2520">
+            <a:lvl5pPr marL="2700040" indent="0">
+              <a:buNone/>
+              <a:defRPr sz="2362">
                 <a:solidFill>
                   <a:schemeClr val="tx1">
                     <a:tint val="75000"/>
@@ -1381,9 +1383,9 @@
                 </a:solidFill>
               </a:defRPr>
             </a:lvl5pPr>
-            <a:lvl6pPr marL="3600450" indent="0">
-              <a:buNone/>
-              <a:defRPr sz="2520">
+            <a:lvl6pPr marL="3375050" indent="0">
+              <a:buNone/>
+              <a:defRPr sz="2362">
                 <a:solidFill>
                   <a:schemeClr val="tx1">
                     <a:tint val="75000"/>
@@ -1391,9 +1393,9 @@
                 </a:solidFill>
               </a:defRPr>
             </a:lvl6pPr>
-            <a:lvl7pPr marL="4320540" indent="0">
-              <a:buNone/>
-              <a:defRPr sz="2520">
+            <a:lvl7pPr marL="4050060" indent="0">
+              <a:buNone/>
+              <a:defRPr sz="2362">
                 <a:solidFill>
                   <a:schemeClr val="tx1">
                     <a:tint val="75000"/>
@@ -1401,9 +1403,9 @@
                 </a:solidFill>
               </a:defRPr>
             </a:lvl7pPr>
-            <a:lvl8pPr marL="5040630" indent="0">
-              <a:buNone/>
-              <a:defRPr sz="2520">
+            <a:lvl8pPr marL="4725071" indent="0">
+              <a:buNone/>
+              <a:defRPr sz="2362">
                 <a:solidFill>
                   <a:schemeClr val="tx1">
                     <a:tint val="75000"/>
@@ -1411,9 +1413,9 @@
                 </a:solidFill>
               </a:defRPr>
             </a:lvl8pPr>
-            <a:lvl9pPr marL="5760720" indent="0">
-              <a:buNone/>
-              <a:defRPr sz="2520">
+            <a:lvl9pPr marL="5400081" indent="0">
+              <a:buNone/>
+              <a:defRPr sz="2362">
                 <a:solidFill>
                   <a:schemeClr val="tx1">
                     <a:tint val="75000"/>
@@ -1499,7 +1501,7 @@
     </p:spTree>
     <p:extLst>
       <p:ext uri="{BB962C8B-B14F-4D97-AF65-F5344CB8AC3E}">
-        <p14:creationId xmlns:p14="http://schemas.microsoft.com/office/powerpoint/2010/main" val="1855940768"/>
+        <p14:creationId xmlns:p14="http://schemas.microsoft.com/office/powerpoint/2010/main" val="4289054982"/>
       </p:ext>
     </p:extLst>
   </p:cSld>
@@ -1561,8 +1563,8 @@
         </p:nvSpPr>
         <p:spPr>
           <a:xfrm>
-            <a:off x="990124" y="3066796"/>
-            <a:ext cx="6120765" cy="7309644"/>
+            <a:off x="1237545" y="2970867"/>
+            <a:ext cx="7650282" cy="7080997"/>
           </a:xfrm>
         </p:spPr>
         <p:txBody>
@@ -1618,8 +1620,8 @@
         </p:nvSpPr>
         <p:spPr>
           <a:xfrm>
-            <a:off x="7290911" y="3066796"/>
-            <a:ext cx="6120765" cy="7309644"/>
+            <a:off x="9112836" y="2970867"/>
+            <a:ext cx="7650282" cy="7080997"/>
           </a:xfrm>
         </p:spPr>
         <p:txBody>
@@ -1731,7 +1733,7 @@
     </p:spTree>
     <p:extLst>
       <p:ext uri="{BB962C8B-B14F-4D97-AF65-F5344CB8AC3E}">
-        <p14:creationId xmlns:p14="http://schemas.microsoft.com/office/powerpoint/2010/main" val="4082436838"/>
+        <p14:creationId xmlns:p14="http://schemas.microsoft.com/office/powerpoint/2010/main" val="1635600681"/>
       </p:ext>
     </p:extLst>
   </p:cSld>
@@ -1770,8 +1772,8 @@
         </p:nvSpPr>
         <p:spPr>
           <a:xfrm>
-            <a:off x="991999" y="613362"/>
-            <a:ext cx="12421553" cy="2226762"/>
+            <a:off x="1239890" y="594174"/>
+            <a:ext cx="15525572" cy="2157108"/>
           </a:xfrm>
         </p:spPr>
         <p:txBody>
@@ -1798,8 +1800,8 @@
         </p:nvSpPr>
         <p:spPr>
           <a:xfrm>
-            <a:off x="992001" y="2824120"/>
-            <a:ext cx="6092636" cy="1384058"/>
+            <a:off x="1239891" y="2735782"/>
+            <a:ext cx="7615123" cy="1340764"/>
           </a:xfrm>
         </p:spPr>
         <p:txBody>
@@ -1807,39 +1809,39 @@
           <a:lstStyle>
             <a:lvl1pPr marL="0" indent="0">
               <a:buNone/>
-              <a:defRPr sz="3780" b="1"/>
+              <a:defRPr sz="3543" b="1"/>
             </a:lvl1pPr>
-            <a:lvl2pPr marL="720090" indent="0">
-              <a:buNone/>
-              <a:defRPr sz="3150" b="1"/>
+            <a:lvl2pPr marL="675010" indent="0">
+              <a:buNone/>
+              <a:defRPr sz="2953" b="1"/>
             </a:lvl2pPr>
-            <a:lvl3pPr marL="1440180" indent="0">
-              <a:buNone/>
-              <a:defRPr sz="2835" b="1"/>
+            <a:lvl3pPr marL="1350020" indent="0">
+              <a:buNone/>
+              <a:defRPr sz="2658" b="1"/>
             </a:lvl3pPr>
-            <a:lvl4pPr marL="2160270" indent="0">
-              <a:buNone/>
-              <a:defRPr sz="2520" b="1"/>
+            <a:lvl4pPr marL="2025030" indent="0">
+              <a:buNone/>
+              <a:defRPr sz="2362" b="1"/>
             </a:lvl4pPr>
-            <a:lvl5pPr marL="2880360" indent="0">
-              <a:buNone/>
-              <a:defRPr sz="2520" b="1"/>
+            <a:lvl5pPr marL="2700040" indent="0">
+              <a:buNone/>
+              <a:defRPr sz="2362" b="1"/>
             </a:lvl5pPr>
-            <a:lvl6pPr marL="3600450" indent="0">
-              <a:buNone/>
-              <a:defRPr sz="2520" b="1"/>
+            <a:lvl6pPr marL="3375050" indent="0">
+              <a:buNone/>
+              <a:defRPr sz="2362" b="1"/>
             </a:lvl6pPr>
-            <a:lvl7pPr marL="4320540" indent="0">
-              <a:buNone/>
-              <a:defRPr sz="2520" b="1"/>
+            <a:lvl7pPr marL="4050060" indent="0">
+              <a:buNone/>
+              <a:defRPr sz="2362" b="1"/>
             </a:lvl7pPr>
-            <a:lvl8pPr marL="5040630" indent="0">
-              <a:buNone/>
-              <a:defRPr sz="2520" b="1"/>
+            <a:lvl8pPr marL="4725071" indent="0">
+              <a:buNone/>
+              <a:defRPr sz="2362" b="1"/>
             </a:lvl8pPr>
-            <a:lvl9pPr marL="5760720" indent="0">
-              <a:buNone/>
-              <a:defRPr sz="2520" b="1"/>
+            <a:lvl9pPr marL="5400081" indent="0">
+              <a:buNone/>
+              <a:defRPr sz="2362" b="1"/>
             </a:lvl9pPr>
           </a:lstStyle>
           <a:p>
@@ -1863,8 +1865,8 @@
         </p:nvSpPr>
         <p:spPr>
           <a:xfrm>
-            <a:off x="992001" y="4208178"/>
-            <a:ext cx="6092636" cy="6189596"/>
+            <a:off x="1239891" y="4076545"/>
+            <a:ext cx="7615123" cy="5995985"/>
           </a:xfrm>
         </p:spPr>
         <p:txBody>
@@ -1920,8 +1922,8 @@
         </p:nvSpPr>
         <p:spPr>
           <a:xfrm>
-            <a:off x="7290912" y="2824120"/>
-            <a:ext cx="6122641" cy="1384058"/>
+            <a:off x="9112836" y="2735782"/>
+            <a:ext cx="7652626" cy="1340764"/>
           </a:xfrm>
         </p:spPr>
         <p:txBody>
@@ -1929,39 +1931,39 @@
           <a:lstStyle>
             <a:lvl1pPr marL="0" indent="0">
               <a:buNone/>
-              <a:defRPr sz="3780" b="1"/>
+              <a:defRPr sz="3543" b="1"/>
             </a:lvl1pPr>
-            <a:lvl2pPr marL="720090" indent="0">
-              <a:buNone/>
-              <a:defRPr sz="3150" b="1"/>
+            <a:lvl2pPr marL="675010" indent="0">
+              <a:buNone/>
+              <a:defRPr sz="2953" b="1"/>
             </a:lvl2pPr>
-            <a:lvl3pPr marL="1440180" indent="0">
-              <a:buNone/>
-              <a:defRPr sz="2835" b="1"/>
+            <a:lvl3pPr marL="1350020" indent="0">
+              <a:buNone/>
+              <a:defRPr sz="2658" b="1"/>
             </a:lvl3pPr>
-            <a:lvl4pPr marL="2160270" indent="0">
-              <a:buNone/>
-              <a:defRPr sz="2520" b="1"/>
+            <a:lvl4pPr marL="2025030" indent="0">
+              <a:buNone/>
+              <a:defRPr sz="2362" b="1"/>
             </a:lvl4pPr>
-            <a:lvl5pPr marL="2880360" indent="0">
-              <a:buNone/>
-              <a:defRPr sz="2520" b="1"/>
+            <a:lvl5pPr marL="2700040" indent="0">
+              <a:buNone/>
+              <a:defRPr sz="2362" b="1"/>
             </a:lvl5pPr>
-            <a:lvl6pPr marL="3600450" indent="0">
-              <a:buNone/>
-              <a:defRPr sz="2520" b="1"/>
+            <a:lvl6pPr marL="3375050" indent="0">
+              <a:buNone/>
+              <a:defRPr sz="2362" b="1"/>
             </a:lvl6pPr>
-            <a:lvl7pPr marL="4320540" indent="0">
-              <a:buNone/>
-              <a:defRPr sz="2520" b="1"/>
+            <a:lvl7pPr marL="4050060" indent="0">
+              <a:buNone/>
+              <a:defRPr sz="2362" b="1"/>
             </a:lvl7pPr>
-            <a:lvl8pPr marL="5040630" indent="0">
-              <a:buNone/>
-              <a:defRPr sz="2520" b="1"/>
+            <a:lvl8pPr marL="4725071" indent="0">
+              <a:buNone/>
+              <a:defRPr sz="2362" b="1"/>
             </a:lvl8pPr>
-            <a:lvl9pPr marL="5760720" indent="0">
-              <a:buNone/>
-              <a:defRPr sz="2520" b="1"/>
+            <a:lvl9pPr marL="5400081" indent="0">
+              <a:buNone/>
+              <a:defRPr sz="2362" b="1"/>
             </a:lvl9pPr>
           </a:lstStyle>
           <a:p>
@@ -1985,8 +1987,8 @@
         </p:nvSpPr>
         <p:spPr>
           <a:xfrm>
-            <a:off x="7290912" y="4208178"/>
-            <a:ext cx="6122641" cy="6189596"/>
+            <a:off x="9112836" y="4076545"/>
+            <a:ext cx="7652626" cy="5995985"/>
           </a:xfrm>
         </p:spPr>
         <p:txBody>
@@ -2098,7 +2100,7 @@
     </p:spTree>
     <p:extLst>
       <p:ext uri="{BB962C8B-B14F-4D97-AF65-F5344CB8AC3E}">
-        <p14:creationId xmlns:p14="http://schemas.microsoft.com/office/powerpoint/2010/main" val="741877352"/>
+        <p14:creationId xmlns:p14="http://schemas.microsoft.com/office/powerpoint/2010/main" val="2963488628"/>
       </p:ext>
     </p:extLst>
   </p:cSld>
@@ -2216,7 +2218,7 @@
     </p:spTree>
     <p:extLst>
       <p:ext uri="{BB962C8B-B14F-4D97-AF65-F5344CB8AC3E}">
-        <p14:creationId xmlns:p14="http://schemas.microsoft.com/office/powerpoint/2010/main" val="811216602"/>
+        <p14:creationId xmlns:p14="http://schemas.microsoft.com/office/powerpoint/2010/main" val="529578761"/>
       </p:ext>
     </p:extLst>
   </p:cSld>
@@ -2311,7 +2313,7 @@
     </p:spTree>
     <p:extLst>
       <p:ext uri="{BB962C8B-B14F-4D97-AF65-F5344CB8AC3E}">
-        <p14:creationId xmlns:p14="http://schemas.microsoft.com/office/powerpoint/2010/main" val="1526380964"/>
+        <p14:creationId xmlns:p14="http://schemas.microsoft.com/office/powerpoint/2010/main" val="2465706231"/>
       </p:ext>
     </p:extLst>
   </p:cSld>
@@ -2350,15 +2352,15 @@
         </p:nvSpPr>
         <p:spPr>
           <a:xfrm>
-            <a:off x="992000" y="768032"/>
-            <a:ext cx="4644955" cy="2688114"/>
+            <a:off x="1239891" y="744008"/>
+            <a:ext cx="5805682" cy="2604029"/>
           </a:xfrm>
         </p:spPr>
         <p:txBody>
           <a:bodyPr anchor="b"/>
           <a:lstStyle>
             <a:lvl1pPr>
-              <a:defRPr sz="5040"/>
+              <a:defRPr sz="4724"/>
             </a:lvl1pPr>
           </a:lstStyle>
           <a:p>
@@ -2382,39 +2384,39 @@
         </p:nvSpPr>
         <p:spPr>
           <a:xfrm>
-            <a:off x="6122641" y="1658740"/>
-            <a:ext cx="7290911" cy="8187013"/>
+            <a:off x="7652626" y="1606852"/>
+            <a:ext cx="9112836" cy="7930922"/>
           </a:xfrm>
         </p:spPr>
         <p:txBody>
           <a:bodyPr/>
           <a:lstStyle>
             <a:lvl1pPr>
-              <a:defRPr sz="5040"/>
+              <a:defRPr sz="4724"/>
             </a:lvl1pPr>
             <a:lvl2pPr>
-              <a:defRPr sz="4410"/>
+              <a:defRPr sz="4134"/>
             </a:lvl2pPr>
             <a:lvl3pPr>
-              <a:defRPr sz="3780"/>
+              <a:defRPr sz="3543"/>
             </a:lvl3pPr>
             <a:lvl4pPr>
-              <a:defRPr sz="3150"/>
+              <a:defRPr sz="2953"/>
             </a:lvl4pPr>
             <a:lvl5pPr>
-              <a:defRPr sz="3150"/>
+              <a:defRPr sz="2953"/>
             </a:lvl5pPr>
             <a:lvl6pPr>
-              <a:defRPr sz="3150"/>
+              <a:defRPr sz="2953"/>
             </a:lvl6pPr>
             <a:lvl7pPr>
-              <a:defRPr sz="3150"/>
+              <a:defRPr sz="2953"/>
             </a:lvl7pPr>
             <a:lvl8pPr>
-              <a:defRPr sz="3150"/>
+              <a:defRPr sz="2953"/>
             </a:lvl8pPr>
             <a:lvl9pPr>
-              <a:defRPr sz="3150"/>
+              <a:defRPr sz="2953"/>
             </a:lvl9pPr>
           </a:lstStyle>
           <a:p>
@@ -2467,8 +2469,8 @@
         </p:nvSpPr>
         <p:spPr>
           <a:xfrm>
-            <a:off x="992000" y="3456146"/>
-            <a:ext cx="4644955" cy="6402939"/>
+            <a:off x="1239891" y="3348037"/>
+            <a:ext cx="5805682" cy="6202654"/>
           </a:xfrm>
         </p:spPr>
         <p:txBody>
@@ -2476,39 +2478,39 @@
           <a:lstStyle>
             <a:lvl1pPr marL="0" indent="0">
               <a:buNone/>
-              <a:defRPr sz="2520"/>
+              <a:defRPr sz="2362"/>
             </a:lvl1pPr>
-            <a:lvl2pPr marL="720090" indent="0">
-              <a:buNone/>
-              <a:defRPr sz="2205"/>
+            <a:lvl2pPr marL="675010" indent="0">
+              <a:buNone/>
+              <a:defRPr sz="2067"/>
             </a:lvl2pPr>
-            <a:lvl3pPr marL="1440180" indent="0">
-              <a:buNone/>
-              <a:defRPr sz="1890"/>
+            <a:lvl3pPr marL="1350020" indent="0">
+              <a:buNone/>
+              <a:defRPr sz="1772"/>
             </a:lvl3pPr>
-            <a:lvl4pPr marL="2160270" indent="0">
-              <a:buNone/>
-              <a:defRPr sz="1575"/>
+            <a:lvl4pPr marL="2025030" indent="0">
+              <a:buNone/>
+              <a:defRPr sz="1476"/>
             </a:lvl4pPr>
-            <a:lvl5pPr marL="2880360" indent="0">
-              <a:buNone/>
-              <a:defRPr sz="1575"/>
+            <a:lvl5pPr marL="2700040" indent="0">
+              <a:buNone/>
+              <a:defRPr sz="1476"/>
             </a:lvl5pPr>
-            <a:lvl6pPr marL="3600450" indent="0">
-              <a:buNone/>
-              <a:defRPr sz="1575"/>
+            <a:lvl6pPr marL="3375050" indent="0">
+              <a:buNone/>
+              <a:defRPr sz="1476"/>
             </a:lvl6pPr>
-            <a:lvl7pPr marL="4320540" indent="0">
-              <a:buNone/>
-              <a:defRPr sz="1575"/>
+            <a:lvl7pPr marL="4050060" indent="0">
+              <a:buNone/>
+              <a:defRPr sz="1476"/>
             </a:lvl7pPr>
-            <a:lvl8pPr marL="5040630" indent="0">
-              <a:buNone/>
-              <a:defRPr sz="1575"/>
+            <a:lvl8pPr marL="4725071" indent="0">
+              <a:buNone/>
+              <a:defRPr sz="1476"/>
             </a:lvl8pPr>
-            <a:lvl9pPr marL="5760720" indent="0">
-              <a:buNone/>
-              <a:defRPr sz="1575"/>
+            <a:lvl9pPr marL="5400081" indent="0">
+              <a:buNone/>
+              <a:defRPr sz="1476"/>
             </a:lvl9pPr>
           </a:lstStyle>
           <a:p>
@@ -2588,7 +2590,7 @@
     </p:spTree>
     <p:extLst>
       <p:ext uri="{BB962C8B-B14F-4D97-AF65-F5344CB8AC3E}">
-        <p14:creationId xmlns:p14="http://schemas.microsoft.com/office/powerpoint/2010/main" val="1280333032"/>
+        <p14:creationId xmlns:p14="http://schemas.microsoft.com/office/powerpoint/2010/main" val="1200711885"/>
       </p:ext>
     </p:extLst>
   </p:cSld>
@@ -2627,15 +2629,15 @@
         </p:nvSpPr>
         <p:spPr>
           <a:xfrm>
-            <a:off x="992000" y="768032"/>
-            <a:ext cx="4644955" cy="2688114"/>
+            <a:off x="1239891" y="744008"/>
+            <a:ext cx="5805682" cy="2604029"/>
           </a:xfrm>
         </p:spPr>
         <p:txBody>
           <a:bodyPr anchor="b"/>
           <a:lstStyle>
             <a:lvl1pPr>
-              <a:defRPr sz="5040"/>
+              <a:defRPr sz="4724"/>
             </a:lvl1pPr>
           </a:lstStyle>
           <a:p>
@@ -2659,8 +2661,8 @@
         </p:nvSpPr>
         <p:spPr>
           <a:xfrm>
-            <a:off x="6122641" y="1658740"/>
-            <a:ext cx="7290911" cy="8187013"/>
+            <a:off x="7652626" y="1606852"/>
+            <a:ext cx="9112836" cy="7930922"/>
           </a:xfrm>
         </p:spPr>
         <p:txBody>
@@ -2668,39 +2670,39 @@
           <a:lstStyle>
             <a:lvl1pPr marL="0" indent="0">
               <a:buNone/>
-              <a:defRPr sz="5040"/>
+              <a:defRPr sz="4724"/>
             </a:lvl1pPr>
-            <a:lvl2pPr marL="720090" indent="0">
-              <a:buNone/>
-              <a:defRPr sz="4410"/>
+            <a:lvl2pPr marL="675010" indent="0">
+              <a:buNone/>
+              <a:defRPr sz="4134"/>
             </a:lvl2pPr>
-            <a:lvl3pPr marL="1440180" indent="0">
-              <a:buNone/>
-              <a:defRPr sz="3780"/>
+            <a:lvl3pPr marL="1350020" indent="0">
+              <a:buNone/>
+              <a:defRPr sz="3543"/>
             </a:lvl3pPr>
-            <a:lvl4pPr marL="2160270" indent="0">
-              <a:buNone/>
-              <a:defRPr sz="3150"/>
+            <a:lvl4pPr marL="2025030" indent="0">
+              <a:buNone/>
+              <a:defRPr sz="2953"/>
             </a:lvl4pPr>
-            <a:lvl5pPr marL="2880360" indent="0">
-              <a:buNone/>
-              <a:defRPr sz="3150"/>
+            <a:lvl5pPr marL="2700040" indent="0">
+              <a:buNone/>
+              <a:defRPr sz="2953"/>
             </a:lvl5pPr>
-            <a:lvl6pPr marL="3600450" indent="0">
-              <a:buNone/>
-              <a:defRPr sz="3150"/>
+            <a:lvl6pPr marL="3375050" indent="0">
+              <a:buNone/>
+              <a:defRPr sz="2953"/>
             </a:lvl6pPr>
-            <a:lvl7pPr marL="4320540" indent="0">
-              <a:buNone/>
-              <a:defRPr sz="3150"/>
+            <a:lvl7pPr marL="4050060" indent="0">
+              <a:buNone/>
+              <a:defRPr sz="2953"/>
             </a:lvl7pPr>
-            <a:lvl8pPr marL="5040630" indent="0">
-              <a:buNone/>
-              <a:defRPr sz="3150"/>
+            <a:lvl8pPr marL="4725071" indent="0">
+              <a:buNone/>
+              <a:defRPr sz="2953"/>
             </a:lvl8pPr>
-            <a:lvl9pPr marL="5760720" indent="0">
-              <a:buNone/>
-              <a:defRPr sz="3150"/>
+            <a:lvl9pPr marL="5400081" indent="0">
+              <a:buNone/>
+              <a:defRPr sz="2953"/>
             </a:lvl9pPr>
           </a:lstStyle>
           <a:p>
@@ -2724,8 +2726,8 @@
         </p:nvSpPr>
         <p:spPr>
           <a:xfrm>
-            <a:off x="992000" y="3456146"/>
-            <a:ext cx="4644955" cy="6402939"/>
+            <a:off x="1239891" y="3348037"/>
+            <a:ext cx="5805682" cy="6202654"/>
           </a:xfrm>
         </p:spPr>
         <p:txBody>
@@ -2733,39 +2735,39 @@
           <a:lstStyle>
             <a:lvl1pPr marL="0" indent="0">
               <a:buNone/>
-              <a:defRPr sz="2520"/>
+              <a:defRPr sz="2362"/>
             </a:lvl1pPr>
-            <a:lvl2pPr marL="720090" indent="0">
-              <a:buNone/>
-              <a:defRPr sz="2205"/>
+            <a:lvl2pPr marL="675010" indent="0">
+              <a:buNone/>
+              <a:defRPr sz="2067"/>
             </a:lvl2pPr>
-            <a:lvl3pPr marL="1440180" indent="0">
-              <a:buNone/>
-              <a:defRPr sz="1890"/>
+            <a:lvl3pPr marL="1350020" indent="0">
+              <a:buNone/>
+              <a:defRPr sz="1772"/>
             </a:lvl3pPr>
-            <a:lvl4pPr marL="2160270" indent="0">
-              <a:buNone/>
-              <a:defRPr sz="1575"/>
+            <a:lvl4pPr marL="2025030" indent="0">
+              <a:buNone/>
+              <a:defRPr sz="1476"/>
             </a:lvl4pPr>
-            <a:lvl5pPr marL="2880360" indent="0">
-              <a:buNone/>
-              <a:defRPr sz="1575"/>
+            <a:lvl5pPr marL="2700040" indent="0">
+              <a:buNone/>
+              <a:defRPr sz="1476"/>
             </a:lvl5pPr>
-            <a:lvl6pPr marL="3600450" indent="0">
-              <a:buNone/>
-              <a:defRPr sz="1575"/>
+            <a:lvl6pPr marL="3375050" indent="0">
+              <a:buNone/>
+              <a:defRPr sz="1476"/>
             </a:lvl6pPr>
-            <a:lvl7pPr marL="4320540" indent="0">
-              <a:buNone/>
-              <a:defRPr sz="1575"/>
+            <a:lvl7pPr marL="4050060" indent="0">
+              <a:buNone/>
+              <a:defRPr sz="1476"/>
             </a:lvl7pPr>
-            <a:lvl8pPr marL="5040630" indent="0">
-              <a:buNone/>
-              <a:defRPr sz="1575"/>
+            <a:lvl8pPr marL="4725071" indent="0">
+              <a:buNone/>
+              <a:defRPr sz="1476"/>
             </a:lvl8pPr>
-            <a:lvl9pPr marL="5760720" indent="0">
-              <a:buNone/>
-              <a:defRPr sz="1575"/>
+            <a:lvl9pPr marL="5400081" indent="0">
+              <a:buNone/>
+              <a:defRPr sz="1476"/>
             </a:lvl9pPr>
           </a:lstStyle>
           <a:p>
@@ -2845,7 +2847,7 @@
     </p:spTree>
     <p:extLst>
       <p:ext uri="{BB962C8B-B14F-4D97-AF65-F5344CB8AC3E}">
-        <p14:creationId xmlns:p14="http://schemas.microsoft.com/office/powerpoint/2010/main" val="2624625481"/>
+        <p14:creationId xmlns:p14="http://schemas.microsoft.com/office/powerpoint/2010/main" val="2922868453"/>
       </p:ext>
     </p:extLst>
   </p:cSld>
@@ -2889,8 +2891,8 @@
         </p:nvSpPr>
         <p:spPr>
           <a:xfrm>
-            <a:off x="990124" y="613362"/>
-            <a:ext cx="12421553" cy="2226762"/>
+            <a:off x="1237546" y="594174"/>
+            <a:ext cx="15525572" cy="2157108"/>
           </a:xfrm>
           <a:prstGeom prst="rect">
             <a:avLst/>
@@ -2922,8 +2924,8 @@
         </p:nvSpPr>
         <p:spPr>
           <a:xfrm>
-            <a:off x="990124" y="3066796"/>
-            <a:ext cx="12421553" cy="7309644"/>
+            <a:off x="1237546" y="2970867"/>
+            <a:ext cx="15525572" cy="7080997"/>
           </a:xfrm>
           <a:prstGeom prst="rect">
             <a:avLst/>
@@ -2984,8 +2986,8 @@
         </p:nvSpPr>
         <p:spPr>
           <a:xfrm>
-            <a:off x="990124" y="10677788"/>
-            <a:ext cx="3240405" cy="613359"/>
+            <a:off x="1237546" y="10343783"/>
+            <a:ext cx="4050149" cy="594173"/>
           </a:xfrm>
           <a:prstGeom prst="rect">
             <a:avLst/>
@@ -2995,7 +2997,7 @@
           <a:bodyPr vert="horz" lIns="91440" tIns="45720" rIns="91440" bIns="45720" rtlCol="0" anchor="ctr"/>
           <a:lstStyle>
             <a:lvl1pPr algn="l">
-              <a:defRPr sz="1890">
+              <a:defRPr sz="1772">
                 <a:solidFill>
                   <a:schemeClr val="tx1">
                     <a:tint val="75000"/>
@@ -3025,8 +3027,8 @@
         </p:nvSpPr>
         <p:spPr>
           <a:xfrm>
-            <a:off x="4770596" y="10677788"/>
-            <a:ext cx="4860608" cy="613359"/>
+            <a:off x="5962720" y="10343783"/>
+            <a:ext cx="6075224" cy="594173"/>
           </a:xfrm>
           <a:prstGeom prst="rect">
             <a:avLst/>
@@ -3036,7 +3038,7 @@
           <a:bodyPr vert="horz" lIns="91440" tIns="45720" rIns="91440" bIns="45720" rtlCol="0" anchor="ctr"/>
           <a:lstStyle>
             <a:lvl1pPr algn="ctr">
-              <a:defRPr sz="1890">
+              <a:defRPr sz="1772">
                 <a:solidFill>
                   <a:schemeClr val="tx1">
                     <a:tint val="75000"/>
@@ -3062,8 +3064,8 @@
         </p:nvSpPr>
         <p:spPr>
           <a:xfrm>
-            <a:off x="10171271" y="10677788"/>
-            <a:ext cx="3240405" cy="613359"/>
+            <a:off x="12712968" y="10343783"/>
+            <a:ext cx="4050149" cy="594173"/>
           </a:xfrm>
           <a:prstGeom prst="rect">
             <a:avLst/>
@@ -3073,7 +3075,7 @@
           <a:bodyPr vert="horz" lIns="91440" tIns="45720" rIns="91440" bIns="45720" rtlCol="0" anchor="ctr"/>
           <a:lstStyle>
             <a:lvl1pPr algn="r">
-              <a:defRPr sz="1890">
+              <a:defRPr sz="1772">
                 <a:solidFill>
                   <a:schemeClr val="tx1">
                     <a:tint val="75000"/>
@@ -3094,27 +3096,27 @@
     </p:spTree>
     <p:extLst>
       <p:ext uri="{BB962C8B-B14F-4D97-AF65-F5344CB8AC3E}">
-        <p14:creationId xmlns:p14="http://schemas.microsoft.com/office/powerpoint/2010/main" val="3564063808"/>
+        <p14:creationId xmlns:p14="http://schemas.microsoft.com/office/powerpoint/2010/main" val="841258584"/>
       </p:ext>
     </p:extLst>
   </p:cSld>
   <p:clrMap bg1="lt1" tx1="dk1" bg2="lt2" tx2="dk2" accent1="accent1" accent2="accent2" accent3="accent3" accent4="accent4" accent5="accent5" accent6="accent6" hlink="hlink" folHlink="folHlink"/>
   <p:sldLayoutIdLst>
-    <p:sldLayoutId id="2147483877" r:id="rId1"/>
-    <p:sldLayoutId id="2147483878" r:id="rId2"/>
-    <p:sldLayoutId id="2147483879" r:id="rId3"/>
-    <p:sldLayoutId id="2147483880" r:id="rId4"/>
-    <p:sldLayoutId id="2147483881" r:id="rId5"/>
-    <p:sldLayoutId id="2147483882" r:id="rId6"/>
-    <p:sldLayoutId id="2147483883" r:id="rId7"/>
-    <p:sldLayoutId id="2147483884" r:id="rId8"/>
-    <p:sldLayoutId id="2147483885" r:id="rId9"/>
-    <p:sldLayoutId id="2147483886" r:id="rId10"/>
-    <p:sldLayoutId id="2147483887" r:id="rId11"/>
+    <p:sldLayoutId id="2147483829" r:id="rId1"/>
+    <p:sldLayoutId id="2147483830" r:id="rId2"/>
+    <p:sldLayoutId id="2147483831" r:id="rId3"/>
+    <p:sldLayoutId id="2147483832" r:id="rId4"/>
+    <p:sldLayoutId id="2147483833" r:id="rId5"/>
+    <p:sldLayoutId id="2147483834" r:id="rId6"/>
+    <p:sldLayoutId id="2147483835" r:id="rId7"/>
+    <p:sldLayoutId id="2147483836" r:id="rId8"/>
+    <p:sldLayoutId id="2147483837" r:id="rId9"/>
+    <p:sldLayoutId id="2147483838" r:id="rId10"/>
+    <p:sldLayoutId id="2147483839" r:id="rId11"/>
   </p:sldLayoutIdLst>
   <p:txStyles>
     <p:titleStyle>
-      <a:lvl1pPr algn="l" defTabSz="1440180" rtl="0" eaLnBrk="1" latinLnBrk="0" hangingPunct="1">
+      <a:lvl1pPr algn="l" defTabSz="1350020" rtl="0" eaLnBrk="1" latinLnBrk="0" hangingPunct="1">
         <a:lnSpc>
           <a:spcPct val="90000"/>
         </a:lnSpc>
@@ -3122,7 +3124,7 @@
           <a:spcPct val="0"/>
         </a:spcBef>
         <a:buNone/>
-        <a:defRPr sz="6930" kern="1200">
+        <a:defRPr sz="6496" kern="1200">
           <a:solidFill>
             <a:schemeClr val="tx1"/>
           </a:solidFill>
@@ -3133,16 +3135,16 @@
       </a:lvl1pPr>
     </p:titleStyle>
     <p:bodyStyle>
-      <a:lvl1pPr marL="360045" indent="-360045" algn="l" defTabSz="1440180" rtl="0" eaLnBrk="1" latinLnBrk="0" hangingPunct="1">
+      <a:lvl1pPr marL="337505" indent="-337505" algn="l" defTabSz="1350020" rtl="0" eaLnBrk="1" latinLnBrk="0" hangingPunct="1">
         <a:lnSpc>
           <a:spcPct val="90000"/>
         </a:lnSpc>
         <a:spcBef>
-          <a:spcPts val="1575"/>
+          <a:spcPts val="1476"/>
         </a:spcBef>
         <a:buFont typeface="Arial" panose="020B0604020202020204" pitchFamily="34" charset="0"/>
         <a:buChar char="•"/>
-        <a:defRPr sz="4410" kern="1200">
+        <a:defRPr sz="4134" kern="1200">
           <a:solidFill>
             <a:schemeClr val="tx1"/>
           </a:solidFill>
@@ -3151,16 +3153,16 @@
           <a:cs typeface="+mn-cs"/>
         </a:defRPr>
       </a:lvl1pPr>
-      <a:lvl2pPr marL="1080135" indent="-360045" algn="l" defTabSz="1440180" rtl="0" eaLnBrk="1" latinLnBrk="0" hangingPunct="1">
+      <a:lvl2pPr marL="1012515" indent="-337505" algn="l" defTabSz="1350020" rtl="0" eaLnBrk="1" latinLnBrk="0" hangingPunct="1">
         <a:lnSpc>
           <a:spcPct val="90000"/>
         </a:lnSpc>
         <a:spcBef>
-          <a:spcPts val="788"/>
+          <a:spcPts val="738"/>
         </a:spcBef>
         <a:buFont typeface="Arial" panose="020B0604020202020204" pitchFamily="34" charset="0"/>
         <a:buChar char="•"/>
-        <a:defRPr sz="3780" kern="1200">
+        <a:defRPr sz="3543" kern="1200">
           <a:solidFill>
             <a:schemeClr val="tx1"/>
           </a:solidFill>
@@ -3169,16 +3171,16 @@
           <a:cs typeface="+mn-cs"/>
         </a:defRPr>
       </a:lvl2pPr>
-      <a:lvl3pPr marL="1800225" indent="-360045" algn="l" defTabSz="1440180" rtl="0" eaLnBrk="1" latinLnBrk="0" hangingPunct="1">
+      <a:lvl3pPr marL="1687525" indent="-337505" algn="l" defTabSz="1350020" rtl="0" eaLnBrk="1" latinLnBrk="0" hangingPunct="1">
         <a:lnSpc>
           <a:spcPct val="90000"/>
         </a:lnSpc>
         <a:spcBef>
-          <a:spcPts val="788"/>
+          <a:spcPts val="738"/>
         </a:spcBef>
         <a:buFont typeface="Arial" panose="020B0604020202020204" pitchFamily="34" charset="0"/>
         <a:buChar char="•"/>
-        <a:defRPr sz="3150" kern="1200">
+        <a:defRPr sz="2953" kern="1200">
           <a:solidFill>
             <a:schemeClr val="tx1"/>
           </a:solidFill>
@@ -3187,16 +3189,16 @@
           <a:cs typeface="+mn-cs"/>
         </a:defRPr>
       </a:lvl3pPr>
-      <a:lvl4pPr marL="2520315" indent="-360045" algn="l" defTabSz="1440180" rtl="0" eaLnBrk="1" latinLnBrk="0" hangingPunct="1">
+      <a:lvl4pPr marL="2362535" indent="-337505" algn="l" defTabSz="1350020" rtl="0" eaLnBrk="1" latinLnBrk="0" hangingPunct="1">
         <a:lnSpc>
           <a:spcPct val="90000"/>
         </a:lnSpc>
         <a:spcBef>
-          <a:spcPts val="788"/>
+          <a:spcPts val="738"/>
         </a:spcBef>
         <a:buFont typeface="Arial" panose="020B0604020202020204" pitchFamily="34" charset="0"/>
         <a:buChar char="•"/>
-        <a:defRPr sz="2835" kern="1200">
+        <a:defRPr sz="2658" kern="1200">
           <a:solidFill>
             <a:schemeClr val="tx1"/>
           </a:solidFill>
@@ -3205,16 +3207,16 @@
           <a:cs typeface="+mn-cs"/>
         </a:defRPr>
       </a:lvl4pPr>
-      <a:lvl5pPr marL="3240405" indent="-360045" algn="l" defTabSz="1440180" rtl="0" eaLnBrk="1" latinLnBrk="0" hangingPunct="1">
+      <a:lvl5pPr marL="3037545" indent="-337505" algn="l" defTabSz="1350020" rtl="0" eaLnBrk="1" latinLnBrk="0" hangingPunct="1">
         <a:lnSpc>
           <a:spcPct val="90000"/>
         </a:lnSpc>
         <a:spcBef>
-          <a:spcPts val="788"/>
+          <a:spcPts val="738"/>
         </a:spcBef>
         <a:buFont typeface="Arial" panose="020B0604020202020204" pitchFamily="34" charset="0"/>
         <a:buChar char="•"/>
-        <a:defRPr sz="2835" kern="1200">
+        <a:defRPr sz="2658" kern="1200">
           <a:solidFill>
             <a:schemeClr val="tx1"/>
           </a:solidFill>
@@ -3223,16 +3225,16 @@
           <a:cs typeface="+mn-cs"/>
         </a:defRPr>
       </a:lvl5pPr>
-      <a:lvl6pPr marL="3960495" indent="-360045" algn="l" defTabSz="1440180" rtl="0" eaLnBrk="1" latinLnBrk="0" hangingPunct="1">
+      <a:lvl6pPr marL="3712555" indent="-337505" algn="l" defTabSz="1350020" rtl="0" eaLnBrk="1" latinLnBrk="0" hangingPunct="1">
         <a:lnSpc>
           <a:spcPct val="90000"/>
         </a:lnSpc>
         <a:spcBef>
-          <a:spcPts val="788"/>
+          <a:spcPts val="738"/>
         </a:spcBef>
         <a:buFont typeface="Arial" panose="020B0604020202020204" pitchFamily="34" charset="0"/>
         <a:buChar char="•"/>
-        <a:defRPr sz="2835" kern="1200">
+        <a:defRPr sz="2658" kern="1200">
           <a:solidFill>
             <a:schemeClr val="tx1"/>
           </a:solidFill>
@@ -3241,16 +3243,16 @@
           <a:cs typeface="+mn-cs"/>
         </a:defRPr>
       </a:lvl6pPr>
-      <a:lvl7pPr marL="4680585" indent="-360045" algn="l" defTabSz="1440180" rtl="0" eaLnBrk="1" latinLnBrk="0" hangingPunct="1">
+      <a:lvl7pPr marL="4387566" indent="-337505" algn="l" defTabSz="1350020" rtl="0" eaLnBrk="1" latinLnBrk="0" hangingPunct="1">
         <a:lnSpc>
           <a:spcPct val="90000"/>
         </a:lnSpc>
         <a:spcBef>
-          <a:spcPts val="788"/>
+          <a:spcPts val="738"/>
         </a:spcBef>
         <a:buFont typeface="Arial" panose="020B0604020202020204" pitchFamily="34" charset="0"/>
         <a:buChar char="•"/>
-        <a:defRPr sz="2835" kern="1200">
+        <a:defRPr sz="2658" kern="1200">
           <a:solidFill>
             <a:schemeClr val="tx1"/>
           </a:solidFill>
@@ -3259,16 +3261,16 @@
           <a:cs typeface="+mn-cs"/>
         </a:defRPr>
       </a:lvl7pPr>
-      <a:lvl8pPr marL="5400675" indent="-360045" algn="l" defTabSz="1440180" rtl="0" eaLnBrk="1" latinLnBrk="0" hangingPunct="1">
+      <a:lvl8pPr marL="5062576" indent="-337505" algn="l" defTabSz="1350020" rtl="0" eaLnBrk="1" latinLnBrk="0" hangingPunct="1">
         <a:lnSpc>
           <a:spcPct val="90000"/>
         </a:lnSpc>
         <a:spcBef>
-          <a:spcPts val="788"/>
+          <a:spcPts val="738"/>
         </a:spcBef>
         <a:buFont typeface="Arial" panose="020B0604020202020204" pitchFamily="34" charset="0"/>
         <a:buChar char="•"/>
-        <a:defRPr sz="2835" kern="1200">
+        <a:defRPr sz="2658" kern="1200">
           <a:solidFill>
             <a:schemeClr val="tx1"/>
           </a:solidFill>
@@ -3277,16 +3279,16 @@
           <a:cs typeface="+mn-cs"/>
         </a:defRPr>
       </a:lvl8pPr>
-      <a:lvl9pPr marL="6120765" indent="-360045" algn="l" defTabSz="1440180" rtl="0" eaLnBrk="1" latinLnBrk="0" hangingPunct="1">
+      <a:lvl9pPr marL="5737586" indent="-337505" algn="l" defTabSz="1350020" rtl="0" eaLnBrk="1" latinLnBrk="0" hangingPunct="1">
         <a:lnSpc>
           <a:spcPct val="90000"/>
         </a:lnSpc>
         <a:spcBef>
-          <a:spcPts val="788"/>
+          <a:spcPts val="738"/>
         </a:spcBef>
         <a:buFont typeface="Arial" panose="020B0604020202020204" pitchFamily="34" charset="0"/>
         <a:buChar char="•"/>
-        <a:defRPr sz="2835" kern="1200">
+        <a:defRPr sz="2658" kern="1200">
           <a:solidFill>
             <a:schemeClr val="tx1"/>
           </a:solidFill>
@@ -3300,8 +3302,8 @@
       <a:defPPr>
         <a:defRPr lang="en-US"/>
       </a:defPPr>
-      <a:lvl1pPr marL="0" algn="l" defTabSz="1440180" rtl="0" eaLnBrk="1" latinLnBrk="0" hangingPunct="1">
-        <a:defRPr sz="2835" kern="1200">
+      <a:lvl1pPr marL="0" algn="l" defTabSz="1350020" rtl="0" eaLnBrk="1" latinLnBrk="0" hangingPunct="1">
+        <a:defRPr sz="2658" kern="1200">
           <a:solidFill>
             <a:schemeClr val="tx1"/>
           </a:solidFill>
@@ -3310,8 +3312,8 @@
           <a:cs typeface="+mn-cs"/>
         </a:defRPr>
       </a:lvl1pPr>
-      <a:lvl2pPr marL="720090" algn="l" defTabSz="1440180" rtl="0" eaLnBrk="1" latinLnBrk="0" hangingPunct="1">
-        <a:defRPr sz="2835" kern="1200">
+      <a:lvl2pPr marL="675010" algn="l" defTabSz="1350020" rtl="0" eaLnBrk="1" latinLnBrk="0" hangingPunct="1">
+        <a:defRPr sz="2658" kern="1200">
           <a:solidFill>
             <a:schemeClr val="tx1"/>
           </a:solidFill>
@@ -3320,8 +3322,8 @@
           <a:cs typeface="+mn-cs"/>
         </a:defRPr>
       </a:lvl2pPr>
-      <a:lvl3pPr marL="1440180" algn="l" defTabSz="1440180" rtl="0" eaLnBrk="1" latinLnBrk="0" hangingPunct="1">
-        <a:defRPr sz="2835" kern="1200">
+      <a:lvl3pPr marL="1350020" algn="l" defTabSz="1350020" rtl="0" eaLnBrk="1" latinLnBrk="0" hangingPunct="1">
+        <a:defRPr sz="2658" kern="1200">
           <a:solidFill>
             <a:schemeClr val="tx1"/>
           </a:solidFill>
@@ -3330,8 +3332,8 @@
           <a:cs typeface="+mn-cs"/>
         </a:defRPr>
       </a:lvl3pPr>
-      <a:lvl4pPr marL="2160270" algn="l" defTabSz="1440180" rtl="0" eaLnBrk="1" latinLnBrk="0" hangingPunct="1">
-        <a:defRPr sz="2835" kern="1200">
+      <a:lvl4pPr marL="2025030" algn="l" defTabSz="1350020" rtl="0" eaLnBrk="1" latinLnBrk="0" hangingPunct="1">
+        <a:defRPr sz="2658" kern="1200">
           <a:solidFill>
             <a:schemeClr val="tx1"/>
           </a:solidFill>
@@ -3340,8 +3342,8 @@
           <a:cs typeface="+mn-cs"/>
         </a:defRPr>
       </a:lvl4pPr>
-      <a:lvl5pPr marL="2880360" algn="l" defTabSz="1440180" rtl="0" eaLnBrk="1" latinLnBrk="0" hangingPunct="1">
-        <a:defRPr sz="2835" kern="1200">
+      <a:lvl5pPr marL="2700040" algn="l" defTabSz="1350020" rtl="0" eaLnBrk="1" latinLnBrk="0" hangingPunct="1">
+        <a:defRPr sz="2658" kern="1200">
           <a:solidFill>
             <a:schemeClr val="tx1"/>
           </a:solidFill>
@@ -3350,8 +3352,8 @@
           <a:cs typeface="+mn-cs"/>
         </a:defRPr>
       </a:lvl5pPr>
-      <a:lvl6pPr marL="3600450" algn="l" defTabSz="1440180" rtl="0" eaLnBrk="1" latinLnBrk="0" hangingPunct="1">
-        <a:defRPr sz="2835" kern="1200">
+      <a:lvl6pPr marL="3375050" algn="l" defTabSz="1350020" rtl="0" eaLnBrk="1" latinLnBrk="0" hangingPunct="1">
+        <a:defRPr sz="2658" kern="1200">
           <a:solidFill>
             <a:schemeClr val="tx1"/>
           </a:solidFill>
@@ -3360,8 +3362,8 @@
           <a:cs typeface="+mn-cs"/>
         </a:defRPr>
       </a:lvl6pPr>
-      <a:lvl7pPr marL="4320540" algn="l" defTabSz="1440180" rtl="0" eaLnBrk="1" latinLnBrk="0" hangingPunct="1">
-        <a:defRPr sz="2835" kern="1200">
+      <a:lvl7pPr marL="4050060" algn="l" defTabSz="1350020" rtl="0" eaLnBrk="1" latinLnBrk="0" hangingPunct="1">
+        <a:defRPr sz="2658" kern="1200">
           <a:solidFill>
             <a:schemeClr val="tx1"/>
           </a:solidFill>
@@ -3370,8 +3372,8 @@
           <a:cs typeface="+mn-cs"/>
         </a:defRPr>
       </a:lvl7pPr>
-      <a:lvl8pPr marL="5040630" algn="l" defTabSz="1440180" rtl="0" eaLnBrk="1" latinLnBrk="0" hangingPunct="1">
-        <a:defRPr sz="2835" kern="1200">
+      <a:lvl8pPr marL="4725071" algn="l" defTabSz="1350020" rtl="0" eaLnBrk="1" latinLnBrk="0" hangingPunct="1">
+        <a:defRPr sz="2658" kern="1200">
           <a:solidFill>
             <a:schemeClr val="tx1"/>
           </a:solidFill>
@@ -3380,8 +3382,8 @@
           <a:cs typeface="+mn-cs"/>
         </a:defRPr>
       </a:lvl8pPr>
-      <a:lvl9pPr marL="5760720" algn="l" defTabSz="1440180" rtl="0" eaLnBrk="1" latinLnBrk="0" hangingPunct="1">
-        <a:defRPr sz="2835" kern="1200">
+      <a:lvl9pPr marL="5400081" algn="l" defTabSz="1350020" rtl="0" eaLnBrk="1" latinLnBrk="0" hangingPunct="1">
+        <a:defRPr sz="2658" kern="1200">
           <a:solidFill>
             <a:schemeClr val="tx1"/>
           </a:solidFill>
@@ -3414,10 +3416,10 @@
       </p:grpSpPr>
       <p:pic>
         <p:nvPicPr>
-          <p:cNvPr id="3" name="图片 2">
+          <p:cNvPr id="4" name="图片 3">
             <a:extLst>
               <a:ext uri="{FF2B5EF4-FFF2-40B4-BE49-F238E27FC236}">
-                <a16:creationId xmlns:a16="http://schemas.microsoft.com/office/drawing/2014/main" id="{56F4EEFD-DC43-A945-B6DB-172B5859808B}"/>
+                <a16:creationId xmlns:a16="http://schemas.microsoft.com/office/drawing/2014/main" id="{1B88839C-8BC7-45F1-CCF1-1B46358F9A9C}"/>
               </a:ext>
             </a:extLst>
           </p:cNvPr>
@@ -3434,8 +3436,8 @@
         </p:blipFill>
         <p:spPr>
           <a:xfrm>
-            <a:off x="0" y="0"/>
-            <a:ext cx="12270558" cy="11520488"/>
+            <a:off x="0" y="-4081"/>
+            <a:ext cx="17999722" cy="11164205"/>
           </a:xfrm>
           <a:prstGeom prst="rect">
             <a:avLst/>
@@ -3444,10 +3446,10 @@
       </p:pic>
       <p:sp>
         <p:nvSpPr>
-          <p:cNvPr id="17" name="Oval 19">
+          <p:cNvPr id="13" name="Oval 19">
             <a:extLst>
               <a:ext uri="{FF2B5EF4-FFF2-40B4-BE49-F238E27FC236}">
-                <a16:creationId xmlns:a16="http://schemas.microsoft.com/office/drawing/2014/main" id="{0FE4A969-ABA9-A336-C673-F0B7784E4402}"/>
+                <a16:creationId xmlns:a16="http://schemas.microsoft.com/office/drawing/2014/main" id="{A8CEC305-B86A-A06F-6294-F585FA8312BE}"/>
               </a:ext>
             </a:extLst>
           </p:cNvPr>
@@ -3458,8 +3460,8 @@
         </p:nvSpPr>
         <p:spPr>
           <a:xfrm>
-            <a:off x="11230773" y="1529397"/>
-            <a:ext cx="737564" cy="737564"/>
+            <a:off x="8541266" y="1097124"/>
+            <a:ext cx="690404" cy="690404"/>
           </a:xfrm>
           <a:prstGeom prst="ellipse">
             <a:avLst/>
@@ -3488,18 +3490,18 @@
           </a:fontRef>
         </p:style>
         <p:txBody>
-          <a:bodyPr tIns="147512" bIns="221271" rtlCol="0" anchor="ctr"/>
+          <a:bodyPr tIns="138080" bIns="207121" rtlCol="0" anchor="ctr"/>
           <a:lstStyle/>
           <a:p>
             <a:pPr algn="ctr"/>
             <a:r>
-              <a:rPr lang="en-GB" sz="3903" dirty="0">
+              <a:rPr lang="en-GB" sz="3898" dirty="0">
                 <a:latin typeface="Arial" panose="020B0604020202020204" pitchFamily="34" charset="0"/>
                 <a:cs typeface="Arial" panose="020B0604020202020204" pitchFamily="34" charset="0"/>
               </a:rPr>
-              <a:t>d</a:t>
-            </a:r>
-            <a:endParaRPr lang="en-SE" sz="3903" dirty="0">
+              <a:t>b</a:t>
+            </a:r>
+            <a:endParaRPr lang="en-SE" sz="3898" dirty="0">
               <a:latin typeface="Arial" panose="020B0604020202020204" pitchFamily="34" charset="0"/>
               <a:cs typeface="Arial" panose="020B0604020202020204" pitchFamily="34" charset="0"/>
             </a:endParaRPr>
@@ -3508,10 +3510,10 @@
       </p:sp>
       <p:sp>
         <p:nvSpPr>
-          <p:cNvPr id="18" name="Oval 19">
+          <p:cNvPr id="14" name="Oval 19">
             <a:extLst>
               <a:ext uri="{FF2B5EF4-FFF2-40B4-BE49-F238E27FC236}">
-                <a16:creationId xmlns:a16="http://schemas.microsoft.com/office/drawing/2014/main" id="{6ADA430A-D79D-68E1-891F-738B9C0A955F}"/>
+                <a16:creationId xmlns:a16="http://schemas.microsoft.com/office/drawing/2014/main" id="{22DBAA2A-7F75-FECA-2563-961FD8ACA4A4}"/>
               </a:ext>
             </a:extLst>
           </p:cNvPr>
@@ -3522,8 +3524,8 @@
         </p:nvSpPr>
         <p:spPr>
           <a:xfrm>
-            <a:off x="2999258" y="6202053"/>
-            <a:ext cx="737564" cy="737564"/>
+            <a:off x="6883358" y="6576531"/>
+            <a:ext cx="690404" cy="690404"/>
           </a:xfrm>
           <a:prstGeom prst="ellipse">
             <a:avLst/>
@@ -3552,18 +3554,18 @@
           </a:fontRef>
         </p:style>
         <p:txBody>
-          <a:bodyPr tIns="147512" bIns="221271" rtlCol="0" anchor="ctr"/>
+          <a:bodyPr tIns="138080" bIns="207121" rtlCol="0" anchor="ctr"/>
           <a:lstStyle/>
           <a:p>
             <a:pPr algn="ctr"/>
             <a:r>
-              <a:rPr lang="en-GB" sz="3903" dirty="0">
+              <a:rPr lang="en-GB" sz="3898" dirty="0">
                 <a:latin typeface="Arial" panose="020B0604020202020204" pitchFamily="34" charset="0"/>
                 <a:cs typeface="Arial" panose="020B0604020202020204" pitchFamily="34" charset="0"/>
               </a:rPr>
               <a:t>a</a:t>
             </a:r>
-            <a:endParaRPr lang="en-SE" sz="3903" dirty="0">
+            <a:endParaRPr lang="en-SE" sz="3898" dirty="0">
               <a:latin typeface="Arial" panose="020B0604020202020204" pitchFamily="34" charset="0"/>
               <a:cs typeface="Arial" panose="020B0604020202020204" pitchFamily="34" charset="0"/>
             </a:endParaRPr>
@@ -3572,10 +3574,10 @@
       </p:sp>
       <p:sp>
         <p:nvSpPr>
-          <p:cNvPr id="19" name="Rectangle 22">
+          <p:cNvPr id="15" name="Rectangle 22">
             <a:extLst>
               <a:ext uri="{FF2B5EF4-FFF2-40B4-BE49-F238E27FC236}">
-                <a16:creationId xmlns:a16="http://schemas.microsoft.com/office/drawing/2014/main" id="{B26965CC-55B3-0461-1F6F-2AD9D62E5B6E}"/>
+                <a16:creationId xmlns:a16="http://schemas.microsoft.com/office/drawing/2014/main" id="{215BD20E-78E7-29EB-B999-8C2CA2550627}"/>
               </a:ext>
             </a:extLst>
           </p:cNvPr>
@@ -3584,8 +3586,8 @@
         </p:nvSpPr>
         <p:spPr>
           <a:xfrm>
-            <a:off x="138649" y="6570835"/>
-            <a:ext cx="3229391" cy="737564"/>
+            <a:off x="4793226" y="6415164"/>
+            <a:ext cx="3008671" cy="4744960"/>
           </a:xfrm>
           <a:prstGeom prst="rect">
             <a:avLst/>
@@ -3619,16 +3621,80 @@
           <a:lstStyle/>
           <a:p>
             <a:pPr algn="ctr"/>
-            <a:endParaRPr lang="en-SE" sz="7446"/>
-          </a:p>
-        </p:txBody>
-      </p:sp>
-      <p:sp>
-        <p:nvSpPr>
-          <p:cNvPr id="28" name="Rectangle 22">
+            <a:endParaRPr lang="en-SE" sz="6970"/>
+          </a:p>
+        </p:txBody>
+      </p:sp>
+      <p:sp>
+        <p:nvSpPr>
+          <p:cNvPr id="22" name="Oval 19">
             <a:extLst>
               <a:ext uri="{FF2B5EF4-FFF2-40B4-BE49-F238E27FC236}">
-                <a16:creationId xmlns:a16="http://schemas.microsoft.com/office/drawing/2014/main" id="{68129041-01D7-DFC9-01EC-2EB4C271A880}"/>
+                <a16:creationId xmlns:a16="http://schemas.microsoft.com/office/drawing/2014/main" id="{1EFD5ECE-AC27-CE8B-F178-353309348F1A}"/>
+              </a:ext>
+            </a:extLst>
+          </p:cNvPr>
+          <p:cNvSpPr>
+            <a:spLocks noChangeAspect="1"/>
+          </p:cNvSpPr>
+          <p:nvPr/>
+        </p:nvSpPr>
+        <p:spPr>
+          <a:xfrm>
+            <a:off x="15666430" y="-4080"/>
+            <a:ext cx="690404" cy="690404"/>
+          </a:xfrm>
+          <a:prstGeom prst="ellipse">
+            <a:avLst/>
+          </a:prstGeom>
+          <a:solidFill>
+            <a:srgbClr val="F79647"/>
+          </a:solidFill>
+          <a:ln>
+            <a:noFill/>
+          </a:ln>
+        </p:spPr>
+        <p:style>
+          <a:lnRef idx="2">
+            <a:schemeClr val="accent1">
+              <a:shade val="15000"/>
+            </a:schemeClr>
+          </a:lnRef>
+          <a:fillRef idx="1">
+            <a:schemeClr val="accent1"/>
+          </a:fillRef>
+          <a:effectRef idx="0">
+            <a:schemeClr val="accent1"/>
+          </a:effectRef>
+          <a:fontRef idx="minor">
+            <a:schemeClr val="lt1"/>
+          </a:fontRef>
+        </p:style>
+        <p:txBody>
+          <a:bodyPr tIns="138080" bIns="207121" rtlCol="0" anchor="ctr"/>
+          <a:lstStyle/>
+          <a:p>
+            <a:pPr algn="ctr"/>
+            <a:r>
+              <a:rPr lang="en-GB" sz="3898" dirty="0">
+                <a:latin typeface="Arial" panose="020B0604020202020204" pitchFamily="34" charset="0"/>
+                <a:cs typeface="Arial" panose="020B0604020202020204" pitchFamily="34" charset="0"/>
+              </a:rPr>
+              <a:t>c</a:t>
+            </a:r>
+            <a:endParaRPr lang="en-SE" sz="3898" dirty="0">
+              <a:latin typeface="Arial" panose="020B0604020202020204" pitchFamily="34" charset="0"/>
+              <a:cs typeface="Arial" panose="020B0604020202020204" pitchFamily="34" charset="0"/>
+            </a:endParaRPr>
+          </a:p>
+        </p:txBody>
+      </p:sp>
+      <p:sp>
+        <p:nvSpPr>
+          <p:cNvPr id="25" name="Rectangle 22">
+            <a:extLst>
+              <a:ext uri="{FF2B5EF4-FFF2-40B4-BE49-F238E27FC236}">
+                <a16:creationId xmlns:a16="http://schemas.microsoft.com/office/drawing/2014/main" id="{56E0E544-AC80-669C-8801-12C60E545C3D}"/>
               </a:ext>
             </a:extLst>
           </p:cNvPr>
@@ -3637,8 +3703,8 @@
         </p:nvSpPr>
         <p:spPr>
           <a:xfrm>
-            <a:off x="11665898" y="2369059"/>
-            <a:ext cx="403303" cy="403303"/>
+            <a:off x="8979382" y="613359"/>
+            <a:ext cx="377517" cy="377517"/>
           </a:xfrm>
           <a:prstGeom prst="rect">
             <a:avLst/>
@@ -3672,80 +3738,16 @@
           <a:lstStyle/>
           <a:p>
             <a:pPr algn="ctr"/>
-            <a:endParaRPr lang="en-SE" sz="7446"/>
-          </a:p>
-        </p:txBody>
-      </p:sp>
-      <p:sp>
-        <p:nvSpPr>
-          <p:cNvPr id="11" name="Oval 19">
+            <a:endParaRPr lang="en-SE" sz="6970"/>
+          </a:p>
+        </p:txBody>
+      </p:sp>
+      <p:sp>
+        <p:nvSpPr>
+          <p:cNvPr id="2" name="Rectangle 22">
             <a:extLst>
               <a:ext uri="{FF2B5EF4-FFF2-40B4-BE49-F238E27FC236}">
-                <a16:creationId xmlns:a16="http://schemas.microsoft.com/office/drawing/2014/main" id="{63BBC4AA-380A-83CD-B4ED-9ECC22C635A7}"/>
-              </a:ext>
-            </a:extLst>
-          </p:cNvPr>
-          <p:cNvSpPr>
-            <a:spLocks noChangeAspect="1"/>
-          </p:cNvSpPr>
-          <p:nvPr/>
-        </p:nvSpPr>
-        <p:spPr>
-          <a:xfrm>
-            <a:off x="7068244" y="2348390"/>
-            <a:ext cx="737564" cy="737564"/>
-          </a:xfrm>
-          <a:prstGeom prst="ellipse">
-            <a:avLst/>
-          </a:prstGeom>
-          <a:solidFill>
-            <a:srgbClr val="F79647"/>
-          </a:solidFill>
-          <a:ln>
-            <a:noFill/>
-          </a:ln>
-        </p:spPr>
-        <p:style>
-          <a:lnRef idx="2">
-            <a:schemeClr val="accent1">
-              <a:shade val="15000"/>
-            </a:schemeClr>
-          </a:lnRef>
-          <a:fillRef idx="1">
-            <a:schemeClr val="accent1"/>
-          </a:fillRef>
-          <a:effectRef idx="0">
-            <a:schemeClr val="accent1"/>
-          </a:effectRef>
-          <a:fontRef idx="minor">
-            <a:schemeClr val="lt1"/>
-          </a:fontRef>
-        </p:style>
-        <p:txBody>
-          <a:bodyPr tIns="147512" bIns="221271" rtlCol="0" anchor="ctr"/>
-          <a:lstStyle/>
-          <a:p>
-            <a:pPr algn="ctr"/>
-            <a:r>
-              <a:rPr lang="en-GB" sz="3903" dirty="0">
-                <a:latin typeface="Arial" panose="020B0604020202020204" pitchFamily="34" charset="0"/>
-                <a:cs typeface="Arial" panose="020B0604020202020204" pitchFamily="34" charset="0"/>
-              </a:rPr>
-              <a:t>b</a:t>
-            </a:r>
-            <a:endParaRPr lang="en-SE" sz="3903" dirty="0">
-              <a:latin typeface="Arial" panose="020B0604020202020204" pitchFamily="34" charset="0"/>
-              <a:cs typeface="Arial" panose="020B0604020202020204" pitchFamily="34" charset="0"/>
-            </a:endParaRPr>
-          </a:p>
-        </p:txBody>
-      </p:sp>
-      <p:sp>
-        <p:nvSpPr>
-          <p:cNvPr id="12" name="Rectangle 22">
-            <a:extLst>
-              <a:ext uri="{FF2B5EF4-FFF2-40B4-BE49-F238E27FC236}">
-                <a16:creationId xmlns:a16="http://schemas.microsoft.com/office/drawing/2014/main" id="{45F7AB30-CBB3-0D9B-4505-35CBF6B3D1D3}"/>
+                <a16:creationId xmlns:a16="http://schemas.microsoft.com/office/drawing/2014/main" id="{066713E1-31B2-88C5-2C6E-BA438697A3DE}"/>
               </a:ext>
             </a:extLst>
           </p:cNvPr>
@@ -3754,8 +3756,8 @@
         </p:nvSpPr>
         <p:spPr>
           <a:xfrm>
-            <a:off x="4038600" y="3085954"/>
-            <a:ext cx="4023360" cy="2674290"/>
+            <a:off x="14425645" y="341122"/>
+            <a:ext cx="1240785" cy="676394"/>
           </a:xfrm>
           <a:prstGeom prst="rect">
             <a:avLst/>
@@ -3789,131 +3791,14 @@
           <a:lstStyle/>
           <a:p>
             <a:pPr algn="ctr"/>
-            <a:endParaRPr lang="en-SE" sz="7446"/>
-          </a:p>
-        </p:txBody>
-      </p:sp>
-      <p:sp>
-        <p:nvSpPr>
-          <p:cNvPr id="20" name="Oval 19">
-            <a:extLst>
-              <a:ext uri="{FF2B5EF4-FFF2-40B4-BE49-F238E27FC236}">
-                <a16:creationId xmlns:a16="http://schemas.microsoft.com/office/drawing/2014/main" id="{1EDF1414-77B8-06DB-39B3-73C6AB7F77F4}"/>
-              </a:ext>
-            </a:extLst>
-          </p:cNvPr>
-          <p:cNvSpPr>
-            <a:spLocks noChangeAspect="1"/>
-          </p:cNvSpPr>
-          <p:nvPr/>
-        </p:nvSpPr>
-        <p:spPr>
-          <a:xfrm>
-            <a:off x="6648514" y="6841560"/>
-            <a:ext cx="737564" cy="737564"/>
-          </a:xfrm>
-          <a:prstGeom prst="ellipse">
-            <a:avLst/>
-          </a:prstGeom>
-          <a:solidFill>
-            <a:srgbClr val="F79647"/>
-          </a:solidFill>
-          <a:ln>
-            <a:noFill/>
-          </a:ln>
-        </p:spPr>
-        <p:style>
-          <a:lnRef idx="2">
-            <a:schemeClr val="accent1">
-              <a:shade val="15000"/>
-            </a:schemeClr>
-          </a:lnRef>
-          <a:fillRef idx="1">
-            <a:schemeClr val="accent1"/>
-          </a:fillRef>
-          <a:effectRef idx="0">
-            <a:schemeClr val="accent1"/>
-          </a:effectRef>
-          <a:fontRef idx="minor">
-            <a:schemeClr val="lt1"/>
-          </a:fontRef>
-        </p:style>
-        <p:txBody>
-          <a:bodyPr tIns="147512" bIns="221271" rtlCol="0" anchor="ctr"/>
-          <a:lstStyle/>
-          <a:p>
-            <a:pPr algn="ctr"/>
-            <a:r>
-              <a:rPr lang="en-GB" sz="3903" dirty="0">
-                <a:latin typeface="Arial" panose="020B0604020202020204" pitchFamily="34" charset="0"/>
-                <a:cs typeface="Arial" panose="020B0604020202020204" pitchFamily="34" charset="0"/>
-              </a:rPr>
-              <a:t>c</a:t>
-            </a:r>
-            <a:endParaRPr lang="en-SE" sz="3903" dirty="0">
-              <a:latin typeface="Arial" panose="020B0604020202020204" pitchFamily="34" charset="0"/>
-              <a:cs typeface="Arial" panose="020B0604020202020204" pitchFamily="34" charset="0"/>
-            </a:endParaRPr>
-          </a:p>
-        </p:txBody>
-      </p:sp>
-      <p:sp>
-        <p:nvSpPr>
-          <p:cNvPr id="21" name="Rectangle 22">
-            <a:extLst>
-              <a:ext uri="{FF2B5EF4-FFF2-40B4-BE49-F238E27FC236}">
-                <a16:creationId xmlns:a16="http://schemas.microsoft.com/office/drawing/2014/main" id="{A2E33402-E8D2-A768-BFF5-84568F1F3DC5}"/>
-              </a:ext>
-            </a:extLst>
-          </p:cNvPr>
-          <p:cNvSpPr/>
-          <p:nvPr/>
-        </p:nvSpPr>
-        <p:spPr>
-          <a:xfrm>
-            <a:off x="4483632" y="6644191"/>
-            <a:ext cx="3041856" cy="4845817"/>
-          </a:xfrm>
-          <a:prstGeom prst="rect">
-            <a:avLst/>
-          </a:prstGeom>
-          <a:noFill/>
-          <a:ln w="28575">
-            <a:solidFill>
-              <a:srgbClr val="F79647"/>
-            </a:solidFill>
-            <a:prstDash val="sysDot"/>
-          </a:ln>
-        </p:spPr>
-        <p:style>
-          <a:lnRef idx="2">
-            <a:schemeClr val="accent1">
-              <a:shade val="15000"/>
-            </a:schemeClr>
-          </a:lnRef>
-          <a:fillRef idx="1">
-            <a:schemeClr val="accent1"/>
-          </a:fillRef>
-          <a:effectRef idx="0">
-            <a:schemeClr val="accent1"/>
-          </a:effectRef>
-          <a:fontRef idx="minor">
-            <a:schemeClr val="lt1"/>
-          </a:fontRef>
-        </p:style>
-        <p:txBody>
-          <a:bodyPr rtlCol="0" anchor="ctr"/>
-          <a:lstStyle/>
-          <a:p>
-            <a:pPr algn="ctr"/>
-            <a:endParaRPr lang="en-SE" sz="7446"/>
+            <a:endParaRPr lang="en-SE" sz="6970"/>
           </a:p>
         </p:txBody>
       </p:sp>
     </p:spTree>
     <p:extLst>
       <p:ext uri="{BB962C8B-B14F-4D97-AF65-F5344CB8AC3E}">
-        <p14:creationId xmlns:p14="http://schemas.microsoft.com/office/powerpoint/2010/main" val="1473077306"/>
+        <p14:creationId xmlns:p14="http://schemas.microsoft.com/office/powerpoint/2010/main" val="682575955"/>
       </p:ext>
     </p:extLst>
   </p:cSld>
